--- a/40_Context3.pptx
+++ b/40_Context3.pptx
@@ -5,7 +5,7 @@
     <p:sldMasterId id="2147483648" r:id="rId1"/>
   </p:sldMasterIdLst>
   <p:notesMasterIdLst>
-    <p:notesMasterId r:id="rId24"/>
+    <p:notesMasterId r:id="rId26"/>
   </p:notesMasterIdLst>
   <p:sldIdLst>
     <p:sldId id="256" r:id="rId2"/>
@@ -29,7 +29,9 @@
     <p:sldId id="282" r:id="rId20"/>
     <p:sldId id="283" r:id="rId21"/>
     <p:sldId id="284" r:id="rId22"/>
-    <p:sldId id="259" r:id="rId23"/>
+    <p:sldId id="285" r:id="rId23"/>
+    <p:sldId id="286" r:id="rId24"/>
+    <p:sldId id="259" r:id="rId25"/>
   </p:sldIdLst>
   <p:sldSz cx="9144000" cy="6858000" type="screen4x3"/>
   <p:notesSz cx="6858000" cy="9144000"/>
@@ -230,7 +232,7 @@
             <a:fld id="{6837EDA8-41C8-4B24-A206-13C08A65A6D7}" type="datetimeFigureOut">
               <a:rPr lang="zh-TW" altLang="en-US" smtClean="0"/>
               <a:pPr/>
-              <a:t>2020/5/25</a:t>
+              <a:t>2020/6/29</a:t>
             </a:fld>
             <a:endParaRPr lang="zh-TW" altLang="en-US"/>
           </a:p>
@@ -683,7 +685,7 @@
             <a:fld id="{8B85509C-BD4F-47BF-9B1E-FC2E949B3621}" type="datetime1">
               <a:rPr lang="zh-TW" altLang="en-US" smtClean="0"/>
               <a:pPr/>
-              <a:t>2020/5/25</a:t>
+              <a:t>2020/6/29</a:t>
             </a:fld>
             <a:endParaRPr lang="zh-TW" altLang="en-US"/>
           </a:p>
@@ -856,7 +858,7 @@
             <a:fld id="{42251B24-F787-4C15-8A0F-7AEC20C70069}" type="datetime1">
               <a:rPr lang="zh-TW" altLang="en-US" smtClean="0"/>
               <a:pPr/>
-              <a:t>2020/5/25</a:t>
+              <a:t>2020/6/29</a:t>
             </a:fld>
             <a:endParaRPr lang="zh-TW" altLang="en-US"/>
           </a:p>
@@ -1031,7 +1033,7 @@
             <a:fld id="{9CA0D33C-CE2B-45F1-B8D4-FFD1F131F331}" type="datetime1">
               <a:rPr lang="zh-TW" altLang="en-US" smtClean="0"/>
               <a:pPr/>
-              <a:t>2020/5/25</a:t>
+              <a:t>2020/6/29</a:t>
             </a:fld>
             <a:endParaRPr lang="zh-TW" altLang="en-US"/>
           </a:p>
@@ -1196,7 +1198,7 @@
             <a:fld id="{50B99440-D9EF-40CC-9B52-F6428D9B2C76}" type="datetime1">
               <a:rPr lang="zh-TW" altLang="en-US" smtClean="0"/>
               <a:pPr/>
-              <a:t>2020/5/25</a:t>
+              <a:t>2020/6/29</a:t>
             </a:fld>
             <a:endParaRPr lang="zh-TW" altLang="en-US"/>
           </a:p>
@@ -1438,7 +1440,7 @@
             <a:fld id="{0871BF52-5C6C-4959-8E27-CECB68D39FE4}" type="datetime1">
               <a:rPr lang="zh-TW" altLang="en-US" smtClean="0"/>
               <a:pPr/>
-              <a:t>2020/5/25</a:t>
+              <a:t>2020/6/29</a:t>
             </a:fld>
             <a:endParaRPr lang="zh-TW" altLang="en-US"/>
           </a:p>
@@ -1720,7 +1722,7 @@
             <a:fld id="{DF863F05-2DD9-4EB1-A827-12FD992DE9DC}" type="datetime1">
               <a:rPr lang="zh-TW" altLang="en-US" smtClean="0"/>
               <a:pPr/>
-              <a:t>2020/5/25</a:t>
+              <a:t>2020/6/29</a:t>
             </a:fld>
             <a:endParaRPr lang="zh-TW" altLang="en-US"/>
           </a:p>
@@ -2136,7 +2138,7 @@
             <a:fld id="{6339AF51-4491-4873-A096-75DB6CE47516}" type="datetime1">
               <a:rPr lang="zh-TW" altLang="en-US" smtClean="0"/>
               <a:pPr/>
-              <a:t>2020/5/25</a:t>
+              <a:t>2020/6/29</a:t>
             </a:fld>
             <a:endParaRPr lang="zh-TW" altLang="en-US"/>
           </a:p>
@@ -2250,7 +2252,7 @@
             <a:fld id="{EE4AD9C8-8B9E-40FF-ABE2-858AC2057BBB}" type="datetime1">
               <a:rPr lang="zh-TW" altLang="en-US" smtClean="0"/>
               <a:pPr/>
-              <a:t>2020/5/25</a:t>
+              <a:t>2020/6/29</a:t>
             </a:fld>
             <a:endParaRPr lang="zh-TW" altLang="en-US"/>
           </a:p>
@@ -2342,7 +2344,7 @@
             <a:fld id="{B4784999-BBBE-4BE4-A8D0-877E7D1D66CC}" type="datetime1">
               <a:rPr lang="zh-TW" altLang="en-US" smtClean="0"/>
               <a:pPr/>
-              <a:t>2020/5/25</a:t>
+              <a:t>2020/6/29</a:t>
             </a:fld>
             <a:endParaRPr lang="zh-TW" altLang="en-US"/>
           </a:p>
@@ -2614,7 +2616,7 @@
             <a:fld id="{E88D17E6-02BD-4944-B9FE-7BFCCBF83D48}" type="datetime1">
               <a:rPr lang="zh-TW" altLang="en-US" smtClean="0"/>
               <a:pPr/>
-              <a:t>2020/5/25</a:t>
+              <a:t>2020/6/29</a:t>
             </a:fld>
             <a:endParaRPr lang="zh-TW" altLang="en-US"/>
           </a:p>
@@ -2863,7 +2865,7 @@
             <a:fld id="{3C13E23D-1FEF-4D78-A3A3-3D6F2BB31954}" type="datetime1">
               <a:rPr lang="zh-TW" altLang="en-US" smtClean="0"/>
               <a:pPr/>
-              <a:t>2020/5/25</a:t>
+              <a:t>2020/6/29</a:t>
             </a:fld>
             <a:endParaRPr lang="zh-TW" altLang="en-US"/>
           </a:p>
@@ -3071,7 +3073,7 @@
             <a:fld id="{06197F35-AD6F-4594-8B50-334492D2E7E8}" type="datetime1">
               <a:rPr lang="zh-TW" altLang="en-US" smtClean="0"/>
               <a:pPr/>
-              <a:t>2020/5/25</a:t>
+              <a:t>2020/6/29</a:t>
             </a:fld>
             <a:endParaRPr lang="zh-TW" altLang="en-US"/>
           </a:p>
@@ -3532,7 +3534,7 @@
             <a:fld id="{C389EDC9-19E3-47AC-9C57-C6A24DEA81AD}" type="datetime1">
               <a:rPr lang="zh-TW" altLang="en-US" smtClean="0"/>
               <a:pPr/>
-              <a:t>2020/5/25</a:t>
+              <a:t>2020/6/29</a:t>
             </a:fld>
             <a:endParaRPr lang="zh-TW" altLang="en-US"/>
           </a:p>
@@ -3678,7 +3680,7 @@
             <a:fld id="{C389EDC9-19E3-47AC-9C57-C6A24DEA81AD}" type="datetime1">
               <a:rPr lang="zh-TW" altLang="en-US" smtClean="0"/>
               <a:pPr/>
-              <a:t>2020/5/25</a:t>
+              <a:t>2020/6/29</a:t>
             </a:fld>
             <a:endParaRPr lang="zh-TW" altLang="en-US"/>
           </a:p>
@@ -4068,7 +4070,7 @@
             <a:fld id="{A4F910E6-8D00-4BAF-8C48-9688E0B449D3}" type="datetime1">
               <a:rPr lang="zh-TW" altLang="en-US" smtClean="0"/>
               <a:pPr/>
-              <a:t>2020/5/25</a:t>
+              <a:t>2020/6/29</a:t>
             </a:fld>
             <a:endParaRPr lang="zh-TW" altLang="en-US"/>
           </a:p>
@@ -4445,7 +4447,7 @@
             <a:fld id="{A4F910E6-8D00-4BAF-8C48-9688E0B449D3}" type="datetime1">
               <a:rPr lang="zh-TW" altLang="en-US" smtClean="0"/>
               <a:pPr/>
-              <a:t>2020/5/25</a:t>
+              <a:t>2020/6/29</a:t>
             </a:fld>
             <a:endParaRPr lang="zh-TW" altLang="en-US"/>
           </a:p>
@@ -4807,7 +4809,7 @@
             <a:fld id="{A4F910E6-8D00-4BAF-8C48-9688E0B449D3}" type="datetime1">
               <a:rPr lang="zh-TW" altLang="en-US" smtClean="0"/>
               <a:pPr/>
-              <a:t>2020/5/25</a:t>
+              <a:t>2020/6/29</a:t>
             </a:fld>
             <a:endParaRPr lang="zh-TW" altLang="en-US"/>
           </a:p>
@@ -5392,7 +5394,7 @@
             <a:fld id="{A4F910E6-8D00-4BAF-8C48-9688E0B449D3}" type="datetime1">
               <a:rPr lang="zh-TW" altLang="en-US" smtClean="0"/>
               <a:pPr/>
-              <a:t>2020/5/25</a:t>
+              <a:t>2020/6/29</a:t>
             </a:fld>
             <a:endParaRPr lang="zh-TW" altLang="en-US"/>
           </a:p>
@@ -5686,7 +5688,7 @@
             <a:fld id="{A4F910E6-8D00-4BAF-8C48-9688E0B449D3}" type="datetime1">
               <a:rPr lang="zh-TW" altLang="en-US" smtClean="0"/>
               <a:pPr/>
-              <a:t>2020/5/25</a:t>
+              <a:t>2020/6/29</a:t>
             </a:fld>
             <a:endParaRPr lang="zh-TW" altLang="en-US"/>
           </a:p>
@@ -6455,7 +6457,7 @@
             <a:fld id="{A4F910E6-8D00-4BAF-8C48-9688E0B449D3}" type="datetime1">
               <a:rPr lang="zh-TW" altLang="en-US" smtClean="0"/>
               <a:pPr/>
-              <a:t>2020/5/25</a:t>
+              <a:t>2020/6/29</a:t>
             </a:fld>
             <a:endParaRPr lang="zh-TW" altLang="en-US"/>
           </a:p>
@@ -6825,7 +6827,7 @@
             <a:fld id="{A4F910E6-8D00-4BAF-8C48-9688E0B449D3}" type="datetime1">
               <a:rPr lang="zh-TW" altLang="en-US" smtClean="0"/>
               <a:pPr/>
-              <a:t>2020/5/25</a:t>
+              <a:t>2020/6/29</a:t>
             </a:fld>
             <a:endParaRPr lang="zh-TW" altLang="en-US"/>
           </a:p>
@@ -7158,7 +7160,7 @@
             <a:fld id="{A4F910E6-8D00-4BAF-8C48-9688E0B449D3}" type="datetime1">
               <a:rPr lang="zh-TW" altLang="en-US" smtClean="0"/>
               <a:pPr/>
-              <a:t>2020/5/25</a:t>
+              <a:t>2020/6/29</a:t>
             </a:fld>
             <a:endParaRPr lang="zh-TW" altLang="en-US"/>
           </a:p>
@@ -8017,7 +8019,7 @@
             <a:fld id="{A4F910E6-8D00-4BAF-8C48-9688E0B449D3}" type="datetime1">
               <a:rPr lang="zh-TW" altLang="en-US" smtClean="0"/>
               <a:pPr/>
-              <a:t>2020/5/25</a:t>
+              <a:t>2020/6/29</a:t>
             </a:fld>
             <a:endParaRPr lang="zh-TW" altLang="en-US"/>
           </a:p>
@@ -8881,7 +8883,7 @@
             <a:fld id="{A4F910E6-8D00-4BAF-8C48-9688E0B449D3}" type="datetime1">
               <a:rPr lang="zh-TW" altLang="en-US" smtClean="0"/>
               <a:pPr/>
-              <a:t>2020/5/25</a:t>
+              <a:t>2020/6/29</a:t>
             </a:fld>
             <a:endParaRPr lang="zh-TW" altLang="en-US"/>
           </a:p>
@@ -8985,8 +8987,8 @@
         </p:nvSpPr>
         <p:spPr>
           <a:xfrm>
-            <a:off x="1043608" y="4195632"/>
-            <a:ext cx="936104" cy="404246"/>
+            <a:off x="3115287" y="3949871"/>
+            <a:ext cx="453225" cy="404246"/>
           </a:xfrm>
           <a:prstGeom prst="rect">
             <a:avLst/>
@@ -9033,6 +9035,7 @@
             </a:extLst>
           </p:cNvPr>
           <p:cNvCxnSpPr>
+            <a:cxnSpLocks/>
             <a:stCxn id="24" idx="2"/>
             <a:endCxn id="26" idx="0"/>
           </p:cNvCxnSpPr>
@@ -9040,8 +9043,8 @@
         </p:nvCxnSpPr>
         <p:spPr>
           <a:xfrm rot="5400000">
-            <a:off x="2388484" y="2552176"/>
-            <a:ext cx="766632" cy="2520280"/>
+            <a:off x="3426485" y="3344415"/>
+            <a:ext cx="520871" cy="690040"/>
           </a:xfrm>
           <a:prstGeom prst="bentConnector3">
             <a:avLst/>
@@ -9079,8 +9082,8 @@
         </p:nvSpPr>
         <p:spPr>
           <a:xfrm>
-            <a:off x="3563888" y="4195632"/>
-            <a:ext cx="936104" cy="404246"/>
+            <a:off x="3790502" y="3959464"/>
+            <a:ext cx="453225" cy="404246"/>
           </a:xfrm>
           <a:prstGeom prst="rect">
             <a:avLst/>
@@ -9127,6 +9130,7 @@
             </a:extLst>
           </p:cNvPr>
           <p:cNvCxnSpPr>
+            <a:cxnSpLocks/>
             <a:stCxn id="24" idx="2"/>
             <a:endCxn id="30" idx="0"/>
           </p:cNvCxnSpPr>
@@ -9134,8 +9138,8 @@
         </p:nvCxnSpPr>
         <p:spPr>
           <a:xfrm rot="5400000">
-            <a:off x="3648624" y="3812316"/>
-            <a:ext cx="766632" cy="12700"/>
+            <a:off x="3759296" y="3686820"/>
+            <a:ext cx="530464" cy="14825"/>
           </a:xfrm>
           <a:prstGeom prst="bentConnector3">
             <a:avLst/>
@@ -9173,8 +9177,8 @@
         </p:nvSpPr>
         <p:spPr>
           <a:xfrm>
-            <a:off x="6084168" y="4195632"/>
-            <a:ext cx="936104" cy="404246"/>
+            <a:off x="4497917" y="3933056"/>
+            <a:ext cx="430986" cy="404246"/>
           </a:xfrm>
           <a:prstGeom prst="rect">
             <a:avLst/>
@@ -9221,6 +9225,7 @@
             </a:extLst>
           </p:cNvPr>
           <p:cNvCxnSpPr>
+            <a:cxnSpLocks/>
             <a:stCxn id="24" idx="2"/>
             <a:endCxn id="32" idx="0"/>
           </p:cNvCxnSpPr>
@@ -9228,8 +9233,8 @@
         </p:nvCxnSpPr>
         <p:spPr>
           <a:xfrm rot="16200000" flipH="1">
-            <a:off x="4908764" y="2552176"/>
-            <a:ext cx="766632" cy="2520280"/>
+            <a:off x="4120647" y="3340293"/>
+            <a:ext cx="504056" cy="681470"/>
           </a:xfrm>
           <a:prstGeom prst="bentConnector3">
             <a:avLst/>
@@ -9267,8 +9272,8 @@
         </p:nvSpPr>
         <p:spPr>
           <a:xfrm>
-            <a:off x="3563888" y="5005212"/>
-            <a:ext cx="936104" cy="404246"/>
+            <a:off x="3797915" y="4542063"/>
+            <a:ext cx="453225" cy="404246"/>
           </a:xfrm>
           <a:prstGeom prst="rect">
             <a:avLst/>
@@ -9319,8 +9324,8 @@
         </p:nvSpPr>
         <p:spPr>
           <a:xfrm>
-            <a:off x="6084168" y="4994426"/>
-            <a:ext cx="936104" cy="404246"/>
+            <a:off x="4497917" y="4509120"/>
+            <a:ext cx="453225" cy="404246"/>
           </a:xfrm>
           <a:prstGeom prst="rect">
             <a:avLst/>
@@ -9371,8 +9376,8 @@
         </p:nvSpPr>
         <p:spPr>
           <a:xfrm>
-            <a:off x="6084168" y="5786514"/>
-            <a:ext cx="936104" cy="404246"/>
+            <a:off x="4497917" y="5085184"/>
+            <a:ext cx="453225" cy="404246"/>
           </a:xfrm>
           <a:prstGeom prst="rect">
             <a:avLst/>
@@ -9419,15 +9424,16 @@
             </a:extLst>
           </p:cNvPr>
           <p:cNvCxnSpPr>
+            <a:cxnSpLocks/>
             <a:stCxn id="30" idx="2"/>
             <a:endCxn id="34" idx="0"/>
           </p:cNvCxnSpPr>
           <p:nvPr/>
         </p:nvCxnSpPr>
         <p:spPr>
-          <a:xfrm rot="5400000">
-            <a:off x="3829273" y="4802545"/>
-            <a:ext cx="405334" cy="12700"/>
+          <a:xfrm rot="16200000" flipH="1">
+            <a:off x="3931645" y="4449179"/>
+            <a:ext cx="178353" cy="7413"/>
           </a:xfrm>
           <a:prstGeom prst="bentConnector3">
             <a:avLst/>
@@ -9468,9 +9474,9 @@
           <p:nvPr/>
         </p:nvCxnSpPr>
         <p:spPr>
-          <a:xfrm rot="5400000">
-            <a:off x="6354946" y="4797152"/>
-            <a:ext cx="394548" cy="12700"/>
+          <a:xfrm rot="16200000" flipH="1">
+            <a:off x="4633061" y="4417651"/>
+            <a:ext cx="171818" cy="11120"/>
           </a:xfrm>
           <a:prstGeom prst="bentConnector3">
             <a:avLst/>
@@ -9504,6 +9510,7 @@
             </a:extLst>
           </p:cNvPr>
           <p:cNvCxnSpPr>
+            <a:cxnSpLocks/>
             <a:stCxn id="35" idx="2"/>
             <a:endCxn id="36" idx="0"/>
           </p:cNvCxnSpPr>
@@ -9511,8 +9518,8 @@
         </p:nvCxnSpPr>
         <p:spPr>
           <a:xfrm rot="5400000">
-            <a:off x="6358299" y="5592593"/>
-            <a:ext cx="387842" cy="12700"/>
+            <a:off x="4638621" y="4999275"/>
+            <a:ext cx="171818" cy="12700"/>
           </a:xfrm>
           <a:prstGeom prst="bentConnector3">
             <a:avLst/>
@@ -9550,7 +9557,7 @@
         </p:nvSpPr>
         <p:spPr>
           <a:xfrm>
-            <a:off x="5076056" y="3122218"/>
+            <a:off x="4955344" y="3091146"/>
             <a:ext cx="1152128" cy="300431"/>
           </a:xfrm>
           <a:prstGeom prst="rect">
@@ -9602,7 +9609,7 @@
         </p:nvSpPr>
         <p:spPr>
           <a:xfrm>
-            <a:off x="6640268" y="5426474"/>
+            <a:off x="5076056" y="4957150"/>
             <a:ext cx="910704" cy="300431"/>
           </a:xfrm>
           <a:prstGeom prst="rect">
@@ -9734,7 +9741,7 @@
             <a:fld id="{C389EDC9-19E3-47AC-9C57-C6A24DEA81AD}" type="datetime1">
               <a:rPr lang="zh-TW" altLang="en-US" smtClean="0"/>
               <a:pPr/>
-              <a:t>2020/5/25</a:t>
+              <a:t>2020/6/29</a:t>
             </a:fld>
             <a:endParaRPr lang="zh-TW" altLang="en-US"/>
           </a:p>
@@ -10058,7 +10065,7 @@
             <a:fld id="{A4F910E6-8D00-4BAF-8C48-9688E0B449D3}" type="datetime1">
               <a:rPr lang="zh-TW" altLang="en-US" smtClean="0"/>
               <a:pPr/>
-              <a:t>2020/5/25</a:t>
+              <a:t>2020/6/29</a:t>
             </a:fld>
             <a:endParaRPr lang="zh-TW" altLang="en-US"/>
           </a:p>
@@ -10138,32 +10145,9 @@
             <a:off x="0" y="2130425"/>
             <a:ext cx="9144000" cy="1470025"/>
           </a:xfrm>
-          <a:gradFill flip="none" rotWithShape="1">
-            <a:gsLst>
-              <a:gs pos="0">
-                <a:srgbClr val="00B0F0">
-                  <a:shade val="30000"/>
-                  <a:satMod val="115000"/>
-                </a:srgbClr>
-              </a:gs>
-              <a:gs pos="50000">
-                <a:srgbClr val="00B0F0">
-                  <a:shade val="67500"/>
-                  <a:satMod val="115000"/>
-                </a:srgbClr>
-              </a:gs>
-              <a:gs pos="100000">
-                <a:srgbClr val="00B0F0">
-                  <a:shade val="100000"/>
-                  <a:satMod val="115000"/>
-                </a:srgbClr>
-              </a:gs>
-            </a:gsLst>
-            <a:path path="circle">
-              <a:fillToRect t="100000" r="100000"/>
-            </a:path>
-            <a:tileRect l="-100000" b="-100000"/>
-          </a:gradFill>
+          <a:solidFill>
+            <a:srgbClr val="00B0F0"/>
+          </a:solidFill>
         </p:spPr>
         <p:txBody>
           <a:bodyPr>
@@ -10172,14 +10156,14 @@
           <a:lstStyle/>
           <a:p>
             <a:r>
-              <a:rPr lang="en-US" altLang="zh-TW" sz="6000" b="1" dirty="0">
+              <a:rPr lang="en-US" altLang="zh-TW" sz="4800" b="1" dirty="0">
                 <a:solidFill>
                   <a:srgbClr val="FFFF00"/>
                 </a:solidFill>
               </a:rPr>
-              <a:t>End of Chapter</a:t>
-            </a:r>
-            <a:endParaRPr lang="zh-TW" altLang="en-US" sz="6000" b="1" dirty="0">
+              <a:t>40.4 Quiz</a:t>
+            </a:r>
+            <a:endParaRPr lang="zh-TW" altLang="en-US" sz="4800" b="1" dirty="0">
               <a:solidFill>
                 <a:srgbClr val="FFFF00"/>
               </a:solidFill>
@@ -10202,10 +10186,10 @@
           <a:bodyPr/>
           <a:lstStyle/>
           <a:p>
-            <a:fld id="{4E46BE27-E923-4EC2-B046-3272AE2A3E5C}" type="datetime1">
+            <a:fld id="{C389EDC9-19E3-47AC-9C57-C6A24DEA81AD}" type="datetime1">
               <a:rPr lang="zh-TW" altLang="en-US" smtClean="0"/>
               <a:pPr/>
-              <a:t>2020/5/25</a:t>
+              <a:t>2020/6/29</a:t>
             </a:fld>
             <a:endParaRPr lang="zh-TW" altLang="en-US"/>
           </a:p>
@@ -10235,7 +10219,44 @@
           </a:p>
         </p:txBody>
       </p:sp>
+      <p:pic>
+        <p:nvPicPr>
+          <p:cNvPr id="2050" name="Picture 2"/>
+          <p:cNvPicPr>
+            <a:picLocks noChangeAspect="1" noChangeArrowheads="1"/>
+          </p:cNvPicPr>
+          <p:nvPr/>
+        </p:nvPicPr>
+        <p:blipFill>
+          <a:blip r:embed="rId2" cstate="print"/>
+          <a:srcRect/>
+          <a:stretch>
+            <a:fillRect/>
+          </a:stretch>
+        </p:blipFill>
+        <p:spPr bwMode="auto">
+          <a:xfrm>
+            <a:off x="4283968" y="3717032"/>
+            <a:ext cx="713805" cy="644588"/>
+          </a:xfrm>
+          <a:prstGeom prst="rect">
+            <a:avLst/>
+          </a:prstGeom>
+          <a:noFill/>
+          <a:ln w="9525">
+            <a:noFill/>
+            <a:miter lim="800000"/>
+            <a:headEnd/>
+            <a:tailEnd/>
+          </a:ln>
+        </p:spPr>
+      </p:pic>
     </p:spTree>
+    <p:extLst>
+      <p:ext uri="{BB962C8B-B14F-4D97-AF65-F5344CB8AC3E}">
+        <p14:creationId xmlns:p14="http://schemas.microsoft.com/office/powerpoint/2010/main" val="1959710567"/>
+      </p:ext>
+    </p:extLst>
   </p:cSld>
   <p:clrMapOvr>
     <a:masterClrMapping/>
@@ -10243,7 +10264,7 @@
 </p:sld>
 </file>
 
-<file path=ppt/slides/slide3.xml><?xml version="1.0" encoding="utf-8"?>
+<file path=ppt/slides/slide23.xml><?xml version="1.0" encoding="utf-8"?>
 <p:sld xmlns:a="http://schemas.openxmlformats.org/drawingml/2006/main" xmlns:r="http://schemas.openxmlformats.org/officeDocument/2006/relationships" xmlns:p="http://schemas.openxmlformats.org/presentationml/2006/main">
   <p:cSld>
     <p:spTree>
@@ -10315,7 +10336,7 @@
                   <a:srgbClr val="FFFF00"/>
                 </a:solidFill>
               </a:rPr>
-              <a:t>40 Context 3</a:t>
+              <a:t>40.4 Quiz</a:t>
             </a:r>
             <a:endParaRPr lang="zh-TW" altLang="en-US" b="1" dirty="0">
               <a:solidFill>
@@ -10337,8 +10358,8 @@
         </p:nvSpPr>
         <p:spPr>
           <a:xfrm>
-            <a:off x="467544" y="1340765"/>
-            <a:ext cx="8352928" cy="3312371"/>
+            <a:off x="467544" y="1340764"/>
+            <a:ext cx="8352928" cy="2232252"/>
           </a:xfrm>
           <a:ln>
             <a:solidFill>
@@ -10367,7 +10388,7 @@
                 </a:solidFill>
                 <a:latin typeface="+mj-lt"/>
               </a:rPr>
-              <a:t>React Context</a:t>
+              <a:t>Quiz</a:t>
             </a:r>
           </a:p>
           <a:p>
@@ -10386,7 +10407,7 @@
                 </a:solidFill>
                 <a:latin typeface="+mj-lt"/>
               </a:rPr>
-              <a:t>In this discussion, we have two more points in the context API.</a:t>
+              <a:t>1. What is default value and context value?</a:t>
             </a:r>
           </a:p>
           <a:p>
@@ -10405,26 +10426,7 @@
                 </a:solidFill>
                 <a:latin typeface="+mj-lt"/>
               </a:rPr>
-              <a:t>The first point is that you can set a default value to your context. </a:t>
-            </a:r>
-          </a:p>
-          <a:p>
-            <a:pPr marL="800100" lvl="1" indent="-342900" algn="l">
-              <a:buClr>
-                <a:srgbClr val="0070C0"/>
-              </a:buClr>
-              <a:buSzPct val="80000"/>
-              <a:buFont typeface="Wingdings" pitchFamily="2" charset="2"/>
-              <a:buChar char="u"/>
-            </a:pPr>
-            <a:r>
-              <a:rPr lang="en-US" altLang="zh-TW" sz="1800" dirty="0">
-                <a:solidFill>
-                  <a:schemeClr val="tx1"/>
-                </a:solidFill>
-                <a:latin typeface="+mj-lt"/>
-              </a:rPr>
-              <a:t>If there is no matching provider in the component tree, the default Value will be displayed. If there is provider in the component tree, the provide value will replace the default value.</a:t>
+              <a:t>Ans: </a:t>
             </a:r>
           </a:p>
           <a:p>
@@ -10443,42 +10445,54 @@
                 </a:solidFill>
                 <a:latin typeface="+mj-lt"/>
               </a:rPr>
-              <a:t>The second point is the context type property. </a:t>
-            </a:r>
-          </a:p>
-          <a:p>
-            <a:pPr marL="800100" lvl="1" indent="-342900" algn="l">
+              <a:t>We can set a </a:t>
+            </a:r>
+            <a:r>
+              <a:rPr lang="en-US" altLang="zh-TW" sz="1800" b="1" dirty="0">
+                <a:solidFill>
+                  <a:srgbClr val="C00000"/>
+                </a:solidFill>
+                <a:latin typeface="+mj-lt"/>
+              </a:rPr>
+              <a:t>default value </a:t>
+            </a:r>
+            <a:r>
+              <a:rPr lang="en-US" altLang="zh-TW" sz="1800" dirty="0">
+                <a:solidFill>
+                  <a:schemeClr val="tx1"/>
+                </a:solidFill>
+                <a:latin typeface="+mj-lt"/>
+              </a:rPr>
+              <a:t>to your context. </a:t>
+            </a:r>
+          </a:p>
+          <a:p>
+            <a:pPr marL="342900" indent="-342900" algn="l">
               <a:buClr>
                 <a:srgbClr val="0070C0"/>
               </a:buClr>
               <a:buSzPct val="80000"/>
-              <a:buFont typeface="Wingdings" pitchFamily="2" charset="2"/>
-              <a:buChar char="u"/>
+              <a:buFont typeface="+mj-lt"/>
+              <a:buAutoNum type="arabicPeriod"/>
             </a:pPr>
             <a:r>
               <a:rPr lang="en-US" altLang="zh-TW" sz="1800" dirty="0">
                 <a:solidFill>
                   <a:schemeClr val="tx1"/>
                 </a:solidFill>
-              </a:rPr>
-              <a:t>We already implemented the component F to read data and render data.</a:t>
-            </a:r>
-            <a:endParaRPr lang="en-US" altLang="zh-TW" sz="1800" dirty="0">
-              <a:solidFill>
-                <a:schemeClr val="tx1"/>
-              </a:solidFill>
-              <a:latin typeface="+mj-lt"/>
-            </a:endParaRPr>
-          </a:p>
-          <a:p>
-            <a:pPr marL="800100" lvl="1" indent="-342900" algn="l">
-              <a:buClr>
-                <a:srgbClr val="0070C0"/>
-              </a:buClr>
-              <a:buSzPct val="80000"/>
-              <a:buFont typeface="Wingdings" pitchFamily="2" charset="2"/>
-              <a:buChar char="u"/>
-            </a:pPr>
+                <a:latin typeface="+mj-lt"/>
+              </a:rPr>
+              <a:t>If there is no matching provider in the component tree, the default Value will be displayed. If there is provider in the component tree, the </a:t>
+            </a:r>
+            <a:r>
+              <a:rPr lang="en-US" altLang="zh-TW" sz="1800" b="1" dirty="0">
+                <a:solidFill>
+                  <a:srgbClr val="C00000"/>
+                </a:solidFill>
+                <a:latin typeface="+mj-lt"/>
+              </a:rPr>
+              <a:t>provide value </a:t>
+            </a:r>
             <a:r>
               <a:rPr lang="en-US" altLang="zh-TW" sz="1800" dirty="0">
                 <a:solidFill>
@@ -10486,7 +10500,7 @@
                 </a:solidFill>
                 <a:latin typeface="+mj-lt"/>
               </a:rPr>
-              <a:t>We will add the read data from component E using context type property and render data.</a:t>
+              <a:t>will replace the default value.</a:t>
             </a:r>
           </a:p>
         </p:txBody>
@@ -10573,7 +10587,558 @@
             <a:fld id="{A4F910E6-8D00-4BAF-8C48-9688E0B449D3}" type="datetime1">
               <a:rPr lang="zh-TW" altLang="en-US" smtClean="0"/>
               <a:pPr/>
-              <a:t>2020/5/25</a:t>
+              <a:t>2020/6/29</a:t>
+            </a:fld>
+            <a:endParaRPr lang="zh-TW" altLang="en-US"/>
+          </a:p>
+        </p:txBody>
+      </p:sp>
+      <p:sp>
+        <p:nvSpPr>
+          <p:cNvPr id="6" name="投影片編號版面配置區 5"/>
+          <p:cNvSpPr>
+            <a:spLocks noGrp="1"/>
+          </p:cNvSpPr>
+          <p:nvPr>
+            <p:ph type="sldNum" sz="quarter" idx="12"/>
+          </p:nvPr>
+        </p:nvSpPr>
+        <p:spPr>
+          <a:xfrm>
+            <a:off x="6553200" y="6356350"/>
+            <a:ext cx="2133600" cy="404246"/>
+          </a:xfrm>
+        </p:spPr>
+        <p:txBody>
+          <a:bodyPr/>
+          <a:lstStyle/>
+          <a:p>
+            <a:fld id="{E4D7E63D-91F2-4366-A2C4-1B00C9E2590E}" type="slidenum">
+              <a:rPr lang="zh-TW" altLang="en-US" smtClean="0"/>
+              <a:pPr/>
+              <a:t>23</a:t>
+            </a:fld>
+            <a:endParaRPr lang="zh-TW" altLang="en-US"/>
+          </a:p>
+        </p:txBody>
+      </p:sp>
+    </p:spTree>
+    <p:extLst>
+      <p:ext uri="{BB962C8B-B14F-4D97-AF65-F5344CB8AC3E}">
+        <p14:creationId xmlns:p14="http://schemas.microsoft.com/office/powerpoint/2010/main" val="625884299"/>
+      </p:ext>
+    </p:extLst>
+  </p:cSld>
+  <p:clrMapOvr>
+    <a:masterClrMapping/>
+  </p:clrMapOvr>
+</p:sld>
+</file>
+
+<file path=ppt/slides/slide24.xml><?xml version="1.0" encoding="utf-8"?>
+<p:sld xmlns:a="http://schemas.openxmlformats.org/drawingml/2006/main" xmlns:r="http://schemas.openxmlformats.org/officeDocument/2006/relationships" xmlns:p="http://schemas.openxmlformats.org/presentationml/2006/main">
+  <p:cSld>
+    <p:spTree>
+      <p:nvGrpSpPr>
+        <p:cNvPr id="1" name=""/>
+        <p:cNvGrpSpPr/>
+        <p:nvPr/>
+      </p:nvGrpSpPr>
+      <p:grpSpPr>
+        <a:xfrm>
+          <a:off x="0" y="0"/>
+          <a:ext cx="0" cy="0"/>
+          <a:chOff x="0" y="0"/>
+          <a:chExt cx="0" cy="0"/>
+        </a:xfrm>
+      </p:grpSpPr>
+      <p:sp>
+        <p:nvSpPr>
+          <p:cNvPr id="2" name="標題 1"/>
+          <p:cNvSpPr>
+            <a:spLocks noGrp="1"/>
+          </p:cNvSpPr>
+          <p:nvPr>
+            <p:ph type="ctrTitle"/>
+          </p:nvPr>
+        </p:nvSpPr>
+        <p:spPr>
+          <a:xfrm>
+            <a:off x="0" y="2130425"/>
+            <a:ext cx="9144000" cy="1470025"/>
+          </a:xfrm>
+          <a:gradFill flip="none" rotWithShape="1">
+            <a:gsLst>
+              <a:gs pos="0">
+                <a:srgbClr val="00B0F0">
+                  <a:shade val="30000"/>
+                  <a:satMod val="115000"/>
+                </a:srgbClr>
+              </a:gs>
+              <a:gs pos="50000">
+                <a:srgbClr val="00B0F0">
+                  <a:shade val="67500"/>
+                  <a:satMod val="115000"/>
+                </a:srgbClr>
+              </a:gs>
+              <a:gs pos="100000">
+                <a:srgbClr val="00B0F0">
+                  <a:shade val="100000"/>
+                  <a:satMod val="115000"/>
+                </a:srgbClr>
+              </a:gs>
+            </a:gsLst>
+            <a:path path="circle">
+              <a:fillToRect t="100000" r="100000"/>
+            </a:path>
+            <a:tileRect l="-100000" b="-100000"/>
+          </a:gradFill>
+        </p:spPr>
+        <p:txBody>
+          <a:bodyPr>
+            <a:normAutofit/>
+          </a:bodyPr>
+          <a:lstStyle/>
+          <a:p>
+            <a:r>
+              <a:rPr lang="en-US" altLang="zh-TW" sz="6000" b="1" dirty="0">
+                <a:solidFill>
+                  <a:srgbClr val="FFFF00"/>
+                </a:solidFill>
+              </a:rPr>
+              <a:t>End of Chapter</a:t>
+            </a:r>
+            <a:endParaRPr lang="zh-TW" altLang="en-US" sz="6000" b="1" dirty="0">
+              <a:solidFill>
+                <a:srgbClr val="FFFF00"/>
+              </a:solidFill>
+            </a:endParaRPr>
+          </a:p>
+        </p:txBody>
+      </p:sp>
+      <p:sp>
+        <p:nvSpPr>
+          <p:cNvPr id="5" name="日期版面配置區 4"/>
+          <p:cNvSpPr>
+            <a:spLocks noGrp="1"/>
+          </p:cNvSpPr>
+          <p:nvPr>
+            <p:ph type="dt" sz="half" idx="10"/>
+          </p:nvPr>
+        </p:nvSpPr>
+        <p:spPr/>
+        <p:txBody>
+          <a:bodyPr/>
+          <a:lstStyle/>
+          <a:p>
+            <a:fld id="{4E46BE27-E923-4EC2-B046-3272AE2A3E5C}" type="datetime1">
+              <a:rPr lang="zh-TW" altLang="en-US" smtClean="0"/>
+              <a:pPr/>
+              <a:t>2020/6/29</a:t>
+            </a:fld>
+            <a:endParaRPr lang="zh-TW" altLang="en-US"/>
+          </a:p>
+        </p:txBody>
+      </p:sp>
+      <p:sp>
+        <p:nvSpPr>
+          <p:cNvPr id="6" name="投影片編號版面配置區 5"/>
+          <p:cNvSpPr>
+            <a:spLocks noGrp="1"/>
+          </p:cNvSpPr>
+          <p:nvPr>
+            <p:ph type="sldNum" sz="quarter" idx="12"/>
+          </p:nvPr>
+        </p:nvSpPr>
+        <p:spPr/>
+        <p:txBody>
+          <a:bodyPr/>
+          <a:lstStyle/>
+          <a:p>
+            <a:fld id="{E4D7E63D-91F2-4366-A2C4-1B00C9E2590E}" type="slidenum">
+              <a:rPr lang="zh-TW" altLang="en-US" smtClean="0"/>
+              <a:pPr/>
+              <a:t>24</a:t>
+            </a:fld>
+            <a:endParaRPr lang="zh-TW" altLang="en-US"/>
+          </a:p>
+        </p:txBody>
+      </p:sp>
+    </p:spTree>
+  </p:cSld>
+  <p:clrMapOvr>
+    <a:masterClrMapping/>
+  </p:clrMapOvr>
+</p:sld>
+</file>
+
+<file path=ppt/slides/slide3.xml><?xml version="1.0" encoding="utf-8"?>
+<p:sld xmlns:a="http://schemas.openxmlformats.org/drawingml/2006/main" xmlns:r="http://schemas.openxmlformats.org/officeDocument/2006/relationships" xmlns:p="http://schemas.openxmlformats.org/presentationml/2006/main">
+  <p:cSld>
+    <p:spTree>
+      <p:nvGrpSpPr>
+        <p:cNvPr id="1" name=""/>
+        <p:cNvGrpSpPr/>
+        <p:nvPr/>
+      </p:nvGrpSpPr>
+      <p:grpSpPr>
+        <a:xfrm>
+          <a:off x="0" y="0"/>
+          <a:ext cx="0" cy="0"/>
+          <a:chOff x="0" y="0"/>
+          <a:chExt cx="0" cy="0"/>
+        </a:xfrm>
+      </p:grpSpPr>
+      <p:sp>
+        <p:nvSpPr>
+          <p:cNvPr id="2" name="標題 1"/>
+          <p:cNvSpPr>
+            <a:spLocks noGrp="1"/>
+          </p:cNvSpPr>
+          <p:nvPr>
+            <p:ph type="ctrTitle"/>
+          </p:nvPr>
+        </p:nvSpPr>
+        <p:spPr>
+          <a:xfrm>
+            <a:off x="0" y="1"/>
+            <a:ext cx="9144000" cy="764704"/>
+          </a:xfrm>
+          <a:gradFill flip="none" rotWithShape="1">
+            <a:gsLst>
+              <a:gs pos="0">
+                <a:srgbClr val="C00000">
+                  <a:shade val="30000"/>
+                  <a:satMod val="115000"/>
+                </a:srgbClr>
+              </a:gs>
+              <a:gs pos="50000">
+                <a:srgbClr val="C00000">
+                  <a:shade val="67500"/>
+                  <a:satMod val="115000"/>
+                </a:srgbClr>
+              </a:gs>
+              <a:gs pos="100000">
+                <a:srgbClr val="C00000">
+                  <a:shade val="100000"/>
+                  <a:satMod val="115000"/>
+                </a:srgbClr>
+              </a:gs>
+            </a:gsLst>
+            <a:path path="circle">
+              <a:fillToRect t="100000" r="100000"/>
+            </a:path>
+            <a:tileRect l="-100000" b="-100000"/>
+          </a:gradFill>
+        </p:spPr>
+        <p:txBody>
+          <a:bodyPr>
+            <a:normAutofit/>
+          </a:bodyPr>
+          <a:lstStyle/>
+          <a:p>
+            <a:pPr algn="l"/>
+            <a:r>
+              <a:rPr lang="en-US" altLang="zh-TW" b="1" dirty="0">
+                <a:solidFill>
+                  <a:srgbClr val="FFFF00"/>
+                </a:solidFill>
+              </a:rPr>
+              <a:t>40 Context 3</a:t>
+            </a:r>
+            <a:endParaRPr lang="zh-TW" altLang="en-US" b="1" dirty="0">
+              <a:solidFill>
+                <a:srgbClr val="FFFF00"/>
+              </a:solidFill>
+            </a:endParaRPr>
+          </a:p>
+        </p:txBody>
+      </p:sp>
+      <p:sp>
+        <p:nvSpPr>
+          <p:cNvPr id="3" name="副標題 2"/>
+          <p:cNvSpPr>
+            <a:spLocks noGrp="1"/>
+          </p:cNvSpPr>
+          <p:nvPr>
+            <p:ph type="subTitle" idx="1"/>
+          </p:nvPr>
+        </p:nvSpPr>
+        <p:spPr>
+          <a:xfrm>
+            <a:off x="467544" y="1340765"/>
+            <a:ext cx="8352928" cy="3312371"/>
+          </a:xfrm>
+          <a:ln>
+            <a:solidFill>
+              <a:srgbClr val="C00000"/>
+            </a:solidFill>
+          </a:ln>
+        </p:spPr>
+        <p:txBody>
+          <a:bodyPr>
+            <a:noAutofit/>
+          </a:bodyPr>
+          <a:lstStyle/>
+          <a:p>
+            <a:pPr marL="342900" indent="-342900" algn="l">
+              <a:buClr>
+                <a:srgbClr val="0070C0"/>
+              </a:buClr>
+              <a:buSzPct val="80000"/>
+              <a:buFont typeface="Wingdings" pitchFamily="2" charset="2"/>
+              <a:buChar char="u"/>
+            </a:pPr>
+            <a:r>
+              <a:rPr lang="en-US" altLang="zh-TW" sz="1800" b="1" dirty="0">
+                <a:solidFill>
+                  <a:schemeClr val="tx1"/>
+                </a:solidFill>
+                <a:latin typeface="+mj-lt"/>
+              </a:rPr>
+              <a:t>React Context</a:t>
+            </a:r>
+          </a:p>
+          <a:p>
+            <a:pPr marL="342900" indent="-342900" algn="l">
+              <a:buClr>
+                <a:srgbClr val="0070C0"/>
+              </a:buClr>
+              <a:buSzPct val="80000"/>
+              <a:buFont typeface="Wingdings" pitchFamily="2" charset="2"/>
+              <a:buChar char="u"/>
+            </a:pPr>
+            <a:r>
+              <a:rPr lang="en-US" altLang="zh-TW" sz="1800" dirty="0">
+                <a:solidFill>
+                  <a:schemeClr val="tx1"/>
+                </a:solidFill>
+                <a:latin typeface="+mj-lt"/>
+              </a:rPr>
+              <a:t>In this discussion, we have two more points in the context API.</a:t>
+            </a:r>
+          </a:p>
+          <a:p>
+            <a:pPr marL="342900" indent="-342900" algn="l">
+              <a:buClr>
+                <a:srgbClr val="0070C0"/>
+              </a:buClr>
+              <a:buSzPct val="80000"/>
+              <a:buFont typeface="Wingdings" pitchFamily="2" charset="2"/>
+              <a:buChar char="u"/>
+            </a:pPr>
+            <a:r>
+              <a:rPr lang="en-US" altLang="zh-TW" sz="1800" dirty="0">
+                <a:solidFill>
+                  <a:schemeClr val="tx1"/>
+                </a:solidFill>
+                <a:latin typeface="+mj-lt"/>
+              </a:rPr>
+              <a:t>The first point is that you can set a </a:t>
+            </a:r>
+            <a:r>
+              <a:rPr lang="en-US" altLang="zh-TW" sz="1800" b="1" dirty="0">
+                <a:solidFill>
+                  <a:srgbClr val="C00000"/>
+                </a:solidFill>
+                <a:latin typeface="+mj-lt"/>
+              </a:rPr>
+              <a:t>default value </a:t>
+            </a:r>
+            <a:r>
+              <a:rPr lang="en-US" altLang="zh-TW" sz="1800" dirty="0">
+                <a:solidFill>
+                  <a:schemeClr val="tx1"/>
+                </a:solidFill>
+                <a:latin typeface="+mj-lt"/>
+              </a:rPr>
+              <a:t>to your context. </a:t>
+            </a:r>
+          </a:p>
+          <a:p>
+            <a:pPr marL="800100" lvl="1" indent="-342900" algn="l">
+              <a:buClr>
+                <a:srgbClr val="0070C0"/>
+              </a:buClr>
+              <a:buSzPct val="80000"/>
+              <a:buFont typeface="Wingdings" pitchFamily="2" charset="2"/>
+              <a:buChar char="u"/>
+            </a:pPr>
+            <a:r>
+              <a:rPr lang="en-US" altLang="zh-TW" sz="1800" dirty="0">
+                <a:solidFill>
+                  <a:schemeClr val="tx1"/>
+                </a:solidFill>
+                <a:latin typeface="+mj-lt"/>
+              </a:rPr>
+              <a:t>If there is no matching provider in the component tree, the default Value will be displayed. If there is provider in the component tree, the </a:t>
+            </a:r>
+            <a:r>
+              <a:rPr lang="en-US" altLang="zh-TW" sz="1800" b="1" dirty="0">
+                <a:solidFill>
+                  <a:srgbClr val="C00000"/>
+                </a:solidFill>
+                <a:latin typeface="+mj-lt"/>
+              </a:rPr>
+              <a:t>provide value </a:t>
+            </a:r>
+            <a:r>
+              <a:rPr lang="en-US" altLang="zh-TW" sz="1800" dirty="0">
+                <a:solidFill>
+                  <a:schemeClr val="tx1"/>
+                </a:solidFill>
+                <a:latin typeface="+mj-lt"/>
+              </a:rPr>
+              <a:t>will replace the default value.</a:t>
+            </a:r>
+          </a:p>
+          <a:p>
+            <a:pPr marL="342900" indent="-342900" algn="l">
+              <a:buClr>
+                <a:srgbClr val="0070C0"/>
+              </a:buClr>
+              <a:buSzPct val="80000"/>
+              <a:buFont typeface="Wingdings" pitchFamily="2" charset="2"/>
+              <a:buChar char="u"/>
+            </a:pPr>
+            <a:r>
+              <a:rPr lang="en-US" altLang="zh-TW" sz="1800" dirty="0">
+                <a:solidFill>
+                  <a:schemeClr val="tx1"/>
+                </a:solidFill>
+                <a:latin typeface="+mj-lt"/>
+              </a:rPr>
+              <a:t>The second point is the context type property. </a:t>
+            </a:r>
+          </a:p>
+          <a:p>
+            <a:pPr marL="800100" lvl="1" indent="-342900" algn="l">
+              <a:buClr>
+                <a:srgbClr val="0070C0"/>
+              </a:buClr>
+              <a:buSzPct val="80000"/>
+              <a:buFont typeface="Wingdings" pitchFamily="2" charset="2"/>
+              <a:buChar char="u"/>
+            </a:pPr>
+            <a:r>
+              <a:rPr lang="en-US" altLang="zh-TW" sz="1800" dirty="0">
+                <a:solidFill>
+                  <a:schemeClr val="tx1"/>
+                </a:solidFill>
+              </a:rPr>
+              <a:t>We already implemented the component F to read data and render data.</a:t>
+            </a:r>
+            <a:endParaRPr lang="en-US" altLang="zh-TW" sz="1800" dirty="0">
+              <a:solidFill>
+                <a:schemeClr val="tx1"/>
+              </a:solidFill>
+              <a:latin typeface="+mj-lt"/>
+            </a:endParaRPr>
+          </a:p>
+          <a:p>
+            <a:pPr marL="800100" lvl="1" indent="-342900" algn="l">
+              <a:buClr>
+                <a:srgbClr val="0070C0"/>
+              </a:buClr>
+              <a:buSzPct val="80000"/>
+              <a:buFont typeface="Wingdings" pitchFamily="2" charset="2"/>
+              <a:buChar char="u"/>
+            </a:pPr>
+            <a:r>
+              <a:rPr lang="en-US" altLang="zh-TW" sz="1800" dirty="0">
+                <a:solidFill>
+                  <a:schemeClr val="tx1"/>
+                </a:solidFill>
+                <a:latin typeface="+mj-lt"/>
+              </a:rPr>
+              <a:t>We will add the read data from component E using context type property and render data.</a:t>
+            </a:r>
+          </a:p>
+        </p:txBody>
+      </p:sp>
+      <p:sp>
+        <p:nvSpPr>
+          <p:cNvPr id="4" name="標題 1"/>
+          <p:cNvSpPr txBox="1">
+            <a:spLocks/>
+          </p:cNvSpPr>
+          <p:nvPr/>
+        </p:nvSpPr>
+        <p:spPr>
+          <a:xfrm>
+            <a:off x="0" y="764704"/>
+            <a:ext cx="9144000" cy="398616"/>
+          </a:xfrm>
+          <a:prstGeom prst="rect">
+            <a:avLst/>
+          </a:prstGeom>
+          <a:gradFill flip="none" rotWithShape="1">
+            <a:gsLst>
+              <a:gs pos="0">
+                <a:srgbClr val="00B0F0">
+                  <a:shade val="30000"/>
+                  <a:satMod val="115000"/>
+                </a:srgbClr>
+              </a:gs>
+              <a:gs pos="50000">
+                <a:srgbClr val="00B0F0">
+                  <a:shade val="67500"/>
+                  <a:satMod val="115000"/>
+                </a:srgbClr>
+              </a:gs>
+              <a:gs pos="100000">
+                <a:srgbClr val="00B0F0">
+                  <a:shade val="100000"/>
+                  <a:satMod val="115000"/>
+                </a:srgbClr>
+              </a:gs>
+            </a:gsLst>
+            <a:path path="circle">
+              <a:fillToRect t="100000" r="100000"/>
+            </a:path>
+            <a:tileRect l="-100000" b="-100000"/>
+          </a:gradFill>
+        </p:spPr>
+        <p:txBody>
+          <a:bodyPr vert="horz" lIns="91440" tIns="45720" rIns="91440" bIns="45720" rtlCol="0" anchor="ctr">
+            <a:normAutofit fontScale="92500"/>
+          </a:bodyPr>
+          <a:lstStyle/>
+          <a:p>
+            <a:r>
+              <a:rPr lang="en-US" sz="1600" dirty="0">
+                <a:hlinkClick r:id="rId2"/>
+              </a:rPr>
+              <a:t>https://www.youtube.com/watch?v=A9WlkhdLnn0&amp;list=PLC3y8-rFHvwgg3vaYJgHGnModB54rxOk3&amp;index=40</a:t>
+            </a:r>
+            <a:endParaRPr lang="en-US" altLang="zh-TW" sz="1600" b="1" i="1" dirty="0"/>
+          </a:p>
+        </p:txBody>
+      </p:sp>
+      <p:sp>
+        <p:nvSpPr>
+          <p:cNvPr id="5" name="日期版面配置區 4"/>
+          <p:cNvSpPr>
+            <a:spLocks noGrp="1"/>
+          </p:cNvSpPr>
+          <p:nvPr>
+            <p:ph type="dt" sz="half" idx="10"/>
+          </p:nvPr>
+        </p:nvSpPr>
+        <p:spPr>
+          <a:xfrm>
+            <a:off x="457200" y="6356350"/>
+            <a:ext cx="2133600" cy="404246"/>
+          </a:xfrm>
+        </p:spPr>
+        <p:txBody>
+          <a:bodyPr/>
+          <a:lstStyle/>
+          <a:p>
+            <a:fld id="{A4F910E6-8D00-4BAF-8C48-9688E0B449D3}" type="datetime1">
+              <a:rPr lang="zh-TW" altLang="en-US" smtClean="0"/>
+              <a:pPr/>
+              <a:t>2020/6/29</a:t>
             </a:fld>
             <a:endParaRPr lang="zh-TW" altLang="en-US"/>
           </a:p>
@@ -10692,7 +11257,7 @@
             <a:fld id="{C389EDC9-19E3-47AC-9C57-C6A24DEA81AD}" type="datetime1">
               <a:rPr lang="zh-TW" altLang="en-US" smtClean="0"/>
               <a:pPr/>
-              <a:t>2020/5/25</a:t>
+              <a:t>2020/6/29</a:t>
             </a:fld>
             <a:endParaRPr lang="zh-TW" altLang="en-US"/>
           </a:p>
@@ -11030,7 +11595,7 @@
             <a:fld id="{A4F910E6-8D00-4BAF-8C48-9688E0B449D3}" type="datetime1">
               <a:rPr lang="zh-TW" altLang="en-US" smtClean="0"/>
               <a:pPr/>
-              <a:t>2020/5/25</a:t>
+              <a:t>2020/6/29</a:t>
             </a:fld>
             <a:endParaRPr lang="zh-TW" altLang="en-US"/>
           </a:p>
@@ -11087,7 +11652,7 @@
         </p:blipFill>
         <p:spPr>
           <a:xfrm>
-            <a:off x="1800225" y="3393992"/>
+            <a:off x="1800225" y="3034908"/>
             <a:ext cx="4752975" cy="1847850"/>
           </a:xfrm>
           <a:prstGeom prst="rect">
@@ -11130,6 +11695,41 @@
           <a:chExt cx="0" cy="0"/>
         </a:xfrm>
       </p:grpSpPr>
+      <p:pic>
+        <p:nvPicPr>
+          <p:cNvPr id="34" name="Picture 33">
+            <a:extLst>
+              <a:ext uri="{FF2B5EF4-FFF2-40B4-BE49-F238E27FC236}">
+                <a16:creationId xmlns:a16="http://schemas.microsoft.com/office/drawing/2014/main" id="{75AE98D3-D7EB-49D7-8EDD-5B9AC7351FFB}"/>
+              </a:ext>
+            </a:extLst>
+          </p:cNvPr>
+          <p:cNvPicPr>
+            <a:picLocks noChangeAspect="1"/>
+          </p:cNvPicPr>
+          <p:nvPr/>
+        </p:nvPicPr>
+        <p:blipFill>
+          <a:blip r:embed="rId2"/>
+          <a:stretch>
+            <a:fillRect/>
+          </a:stretch>
+        </p:blipFill>
+        <p:spPr>
+          <a:xfrm>
+            <a:off x="467544" y="2104243"/>
+            <a:ext cx="4086888" cy="3451150"/>
+          </a:xfrm>
+          <a:prstGeom prst="rect">
+            <a:avLst/>
+          </a:prstGeom>
+          <a:ln>
+            <a:solidFill>
+              <a:srgbClr val="C00000"/>
+            </a:solidFill>
+          </a:ln>
+        </p:spPr>
+      </p:pic>
       <p:sp>
         <p:nvSpPr>
           <p:cNvPr id="2" name="標題 1"/>
@@ -11208,7 +11808,7 @@
         <p:spPr>
           <a:xfrm>
             <a:off x="467544" y="1340767"/>
-            <a:ext cx="8352928" cy="648073"/>
+            <a:ext cx="5184576" cy="648073"/>
           </a:xfrm>
           <a:ln>
             <a:solidFill>
@@ -11311,7 +11911,7 @@
           <a:p>
             <a:r>
               <a:rPr lang="en-US" sz="1600" dirty="0">
-                <a:hlinkClick r:id="rId2"/>
+                <a:hlinkClick r:id="rId3"/>
               </a:rPr>
               <a:t>https://www.youtube.com/watch?v=A9WlkhdLnn0&amp;list=PLC3y8-rFHvwgg3vaYJgHGnModB54rxOk3&amp;index=40</a:t>
             </a:r>
@@ -11342,7 +11942,7 @@
             <a:fld id="{A4F910E6-8D00-4BAF-8C48-9688E0B449D3}" type="datetime1">
               <a:rPr lang="zh-TW" altLang="en-US" smtClean="0"/>
               <a:pPr/>
-              <a:t>2020/5/25</a:t>
+              <a:t>2020/6/29</a:t>
             </a:fld>
             <a:endParaRPr lang="zh-TW" altLang="en-US"/>
           </a:p>
@@ -11379,10 +11979,10 @@
       </p:sp>
       <p:pic>
         <p:nvPicPr>
-          <p:cNvPr id="8" name="Picture 7">
+          <p:cNvPr id="7" name="Picture 6">
             <a:extLst>
               <a:ext uri="{FF2B5EF4-FFF2-40B4-BE49-F238E27FC236}">
-                <a16:creationId xmlns:a16="http://schemas.microsoft.com/office/drawing/2014/main" id="{B80E7655-13E8-4A78-9D93-8F18DD591CB1}"/>
+                <a16:creationId xmlns:a16="http://schemas.microsoft.com/office/drawing/2014/main" id="{D6101524-7409-46E4-81A0-0D2385456A9E}"/>
               </a:ext>
             </a:extLst>
           </p:cNvPr>
@@ -11392,15 +11992,15 @@
           <p:nvPr/>
         </p:nvPicPr>
         <p:blipFill>
-          <a:blip r:embed="rId3"/>
+          <a:blip r:embed="rId4"/>
           <a:stretch>
             <a:fillRect/>
           </a:stretch>
         </p:blipFill>
         <p:spPr>
           <a:xfrm>
-            <a:off x="2123728" y="2157260"/>
-            <a:ext cx="4657725" cy="3800475"/>
+            <a:off x="6170518" y="1163320"/>
+            <a:ext cx="2520280" cy="2332600"/>
           </a:xfrm>
           <a:prstGeom prst="rect">
             <a:avLst/>
@@ -11412,6 +12012,1070 @@
           </a:ln>
         </p:spPr>
       </p:pic>
+      <p:pic>
+        <p:nvPicPr>
+          <p:cNvPr id="9" name="Picture 8">
+            <a:extLst>
+              <a:ext uri="{FF2B5EF4-FFF2-40B4-BE49-F238E27FC236}">
+                <a16:creationId xmlns:a16="http://schemas.microsoft.com/office/drawing/2014/main" id="{200F06CF-6774-4C2A-AA49-C62B44C55AE9}"/>
+              </a:ext>
+            </a:extLst>
+          </p:cNvPr>
+          <p:cNvPicPr>
+            <a:picLocks noChangeAspect="1"/>
+          </p:cNvPicPr>
+          <p:nvPr/>
+        </p:nvPicPr>
+        <p:blipFill>
+          <a:blip r:embed="rId5"/>
+          <a:stretch>
+            <a:fillRect/>
+          </a:stretch>
+        </p:blipFill>
+        <p:spPr>
+          <a:xfrm>
+            <a:off x="4601300" y="3625135"/>
+            <a:ext cx="4176464" cy="2881611"/>
+          </a:xfrm>
+          <a:prstGeom prst="rect">
+            <a:avLst/>
+          </a:prstGeom>
+          <a:ln>
+            <a:solidFill>
+              <a:srgbClr val="C00000"/>
+            </a:solidFill>
+          </a:ln>
+        </p:spPr>
+      </p:pic>
+      <p:sp>
+        <p:nvSpPr>
+          <p:cNvPr id="10" name="Rectangle 9">
+            <a:extLst>
+              <a:ext uri="{FF2B5EF4-FFF2-40B4-BE49-F238E27FC236}">
+                <a16:creationId xmlns:a16="http://schemas.microsoft.com/office/drawing/2014/main" id="{A26AB347-9E80-4D29-B230-87C7DA51F049}"/>
+              </a:ext>
+            </a:extLst>
+          </p:cNvPr>
+          <p:cNvSpPr/>
+          <p:nvPr/>
+        </p:nvSpPr>
+        <p:spPr>
+          <a:xfrm>
+            <a:off x="5724128" y="4725144"/>
+            <a:ext cx="1080120" cy="216024"/>
+          </a:xfrm>
+          <a:prstGeom prst="rect">
+            <a:avLst/>
+          </a:prstGeom>
+          <a:noFill/>
+          <a:ln>
+            <a:solidFill>
+              <a:srgbClr val="C00000"/>
+            </a:solidFill>
+          </a:ln>
+        </p:spPr>
+        <p:style>
+          <a:lnRef idx="2">
+            <a:schemeClr val="accent1">
+              <a:shade val="50000"/>
+            </a:schemeClr>
+          </a:lnRef>
+          <a:fillRef idx="1">
+            <a:schemeClr val="accent1"/>
+          </a:fillRef>
+          <a:effectRef idx="0">
+            <a:schemeClr val="accent1"/>
+          </a:effectRef>
+          <a:fontRef idx="minor">
+            <a:schemeClr val="lt1"/>
+          </a:fontRef>
+        </p:style>
+        <p:txBody>
+          <a:bodyPr rtlCol="0" anchor="ctr"/>
+          <a:lstStyle/>
+          <a:p>
+            <a:pPr algn="ctr"/>
+            <a:endParaRPr lang="en-US"/>
+          </a:p>
+        </p:txBody>
+      </p:sp>
+      <p:sp>
+        <p:nvSpPr>
+          <p:cNvPr id="11" name="Rectangle 10">
+            <a:extLst>
+              <a:ext uri="{FF2B5EF4-FFF2-40B4-BE49-F238E27FC236}">
+                <a16:creationId xmlns:a16="http://schemas.microsoft.com/office/drawing/2014/main" id="{BB9270D8-DF99-40FF-800A-BBE4A399CE4F}"/>
+              </a:ext>
+            </a:extLst>
+          </p:cNvPr>
+          <p:cNvSpPr/>
+          <p:nvPr/>
+        </p:nvSpPr>
+        <p:spPr>
+          <a:xfrm>
+            <a:off x="5682003" y="5443905"/>
+            <a:ext cx="1080120" cy="216024"/>
+          </a:xfrm>
+          <a:prstGeom prst="rect">
+            <a:avLst/>
+          </a:prstGeom>
+          <a:noFill/>
+          <a:ln>
+            <a:solidFill>
+              <a:srgbClr val="C00000"/>
+            </a:solidFill>
+          </a:ln>
+        </p:spPr>
+        <p:style>
+          <a:lnRef idx="2">
+            <a:schemeClr val="accent1">
+              <a:shade val="50000"/>
+            </a:schemeClr>
+          </a:lnRef>
+          <a:fillRef idx="1">
+            <a:schemeClr val="accent1"/>
+          </a:fillRef>
+          <a:effectRef idx="0">
+            <a:schemeClr val="accent1"/>
+          </a:effectRef>
+          <a:fontRef idx="minor">
+            <a:schemeClr val="lt1"/>
+          </a:fontRef>
+        </p:style>
+        <p:txBody>
+          <a:bodyPr rtlCol="0" anchor="ctr"/>
+          <a:lstStyle/>
+          <a:p>
+            <a:pPr algn="ctr"/>
+            <a:endParaRPr lang="en-US"/>
+          </a:p>
+        </p:txBody>
+      </p:sp>
+      <p:sp>
+        <p:nvSpPr>
+          <p:cNvPr id="12" name="Rectangle 11">
+            <a:extLst>
+              <a:ext uri="{FF2B5EF4-FFF2-40B4-BE49-F238E27FC236}">
+                <a16:creationId xmlns:a16="http://schemas.microsoft.com/office/drawing/2014/main" id="{F8B54C26-266E-4235-BDE0-FBA94F7A654F}"/>
+              </a:ext>
+            </a:extLst>
+          </p:cNvPr>
+          <p:cNvSpPr/>
+          <p:nvPr/>
+        </p:nvSpPr>
+        <p:spPr>
+          <a:xfrm>
+            <a:off x="1661197" y="4531243"/>
+            <a:ext cx="1656184" cy="432048"/>
+          </a:xfrm>
+          <a:prstGeom prst="rect">
+            <a:avLst/>
+          </a:prstGeom>
+          <a:solidFill>
+            <a:schemeClr val="accent2">
+              <a:lumMod val="75000"/>
+            </a:schemeClr>
+          </a:solidFill>
+        </p:spPr>
+        <p:style>
+          <a:lnRef idx="2">
+            <a:schemeClr val="accent1">
+              <a:shade val="50000"/>
+            </a:schemeClr>
+          </a:lnRef>
+          <a:fillRef idx="1">
+            <a:schemeClr val="accent1"/>
+          </a:fillRef>
+          <a:effectRef idx="0">
+            <a:schemeClr val="accent1"/>
+          </a:effectRef>
+          <a:fontRef idx="minor">
+            <a:schemeClr val="lt1"/>
+          </a:fontRef>
+        </p:style>
+        <p:txBody>
+          <a:bodyPr rtlCol="0" anchor="ctr"/>
+          <a:lstStyle/>
+          <a:p>
+            <a:pPr algn="ctr"/>
+            <a:r>
+              <a:rPr lang="en-US" dirty="0" err="1"/>
+              <a:t>AppComponent</a:t>
+            </a:r>
+            <a:endParaRPr lang="en-US" dirty="0"/>
+          </a:p>
+        </p:txBody>
+      </p:sp>
+      <p:sp>
+        <p:nvSpPr>
+          <p:cNvPr id="13" name="Rectangle 12">
+            <a:extLst>
+              <a:ext uri="{FF2B5EF4-FFF2-40B4-BE49-F238E27FC236}">
+                <a16:creationId xmlns:a16="http://schemas.microsoft.com/office/drawing/2014/main" id="{94B381FB-AA9B-4D25-B489-0B454145A0A6}"/>
+              </a:ext>
+            </a:extLst>
+          </p:cNvPr>
+          <p:cNvSpPr/>
+          <p:nvPr/>
+        </p:nvSpPr>
+        <p:spPr>
+          <a:xfrm>
+            <a:off x="1567465" y="5414556"/>
+            <a:ext cx="453225" cy="300864"/>
+          </a:xfrm>
+          <a:prstGeom prst="rect">
+            <a:avLst/>
+          </a:prstGeom>
+          <a:solidFill>
+            <a:srgbClr val="0070C0"/>
+          </a:solidFill>
+        </p:spPr>
+        <p:style>
+          <a:lnRef idx="2">
+            <a:schemeClr val="accent1">
+              <a:shade val="50000"/>
+            </a:schemeClr>
+          </a:lnRef>
+          <a:fillRef idx="1">
+            <a:schemeClr val="accent1"/>
+          </a:fillRef>
+          <a:effectRef idx="0">
+            <a:schemeClr val="accent1"/>
+          </a:effectRef>
+          <a:fontRef idx="minor">
+            <a:schemeClr val="lt1"/>
+          </a:fontRef>
+        </p:style>
+        <p:txBody>
+          <a:bodyPr rtlCol="0" anchor="ctr"/>
+          <a:lstStyle/>
+          <a:p>
+            <a:pPr algn="ctr"/>
+            <a:r>
+              <a:rPr lang="en-US" dirty="0"/>
+              <a:t>A</a:t>
+            </a:r>
+          </a:p>
+        </p:txBody>
+      </p:sp>
+      <p:cxnSp>
+        <p:nvCxnSpPr>
+          <p:cNvPr id="14" name="Connector: Elbow 13">
+            <a:extLst>
+              <a:ext uri="{FF2B5EF4-FFF2-40B4-BE49-F238E27FC236}">
+                <a16:creationId xmlns:a16="http://schemas.microsoft.com/office/drawing/2014/main" id="{6C33C0D3-0FCB-4271-852C-EAA77D706519}"/>
+              </a:ext>
+            </a:extLst>
+          </p:cNvPr>
+          <p:cNvCxnSpPr>
+            <a:cxnSpLocks/>
+            <a:stCxn id="12" idx="2"/>
+            <a:endCxn id="13" idx="0"/>
+          </p:cNvCxnSpPr>
+          <p:nvPr/>
+        </p:nvCxnSpPr>
+        <p:spPr>
+          <a:xfrm rot="5400000">
+            <a:off x="1916052" y="4841318"/>
+            <a:ext cx="451265" cy="695211"/>
+          </a:xfrm>
+          <a:prstGeom prst="bentConnector3">
+            <a:avLst/>
+          </a:prstGeom>
+          <a:ln>
+            <a:tailEnd type="triangle"/>
+          </a:ln>
+        </p:spPr>
+        <p:style>
+          <a:lnRef idx="1">
+            <a:schemeClr val="accent1"/>
+          </a:lnRef>
+          <a:fillRef idx="0">
+            <a:schemeClr val="accent1"/>
+          </a:fillRef>
+          <a:effectRef idx="0">
+            <a:schemeClr val="accent1"/>
+          </a:effectRef>
+          <a:fontRef idx="minor">
+            <a:schemeClr val="tx1"/>
+          </a:fontRef>
+        </p:style>
+      </p:cxnSp>
+      <p:sp>
+        <p:nvSpPr>
+          <p:cNvPr id="15" name="Rectangle 14">
+            <a:extLst>
+              <a:ext uri="{FF2B5EF4-FFF2-40B4-BE49-F238E27FC236}">
+                <a16:creationId xmlns:a16="http://schemas.microsoft.com/office/drawing/2014/main" id="{AD7AD0AE-2435-4E43-9C33-360CBCA6D25E}"/>
+              </a:ext>
+            </a:extLst>
+          </p:cNvPr>
+          <p:cNvSpPr/>
+          <p:nvPr/>
+        </p:nvSpPr>
+        <p:spPr>
+          <a:xfrm>
+            <a:off x="2255264" y="5414556"/>
+            <a:ext cx="453225" cy="250336"/>
+          </a:xfrm>
+          <a:prstGeom prst="rect">
+            <a:avLst/>
+          </a:prstGeom>
+          <a:solidFill>
+            <a:srgbClr val="92D050"/>
+          </a:solidFill>
+        </p:spPr>
+        <p:style>
+          <a:lnRef idx="2">
+            <a:schemeClr val="accent1">
+              <a:shade val="50000"/>
+            </a:schemeClr>
+          </a:lnRef>
+          <a:fillRef idx="1">
+            <a:schemeClr val="accent1"/>
+          </a:fillRef>
+          <a:effectRef idx="0">
+            <a:schemeClr val="accent1"/>
+          </a:effectRef>
+          <a:fontRef idx="minor">
+            <a:schemeClr val="lt1"/>
+          </a:fontRef>
+        </p:style>
+        <p:txBody>
+          <a:bodyPr rtlCol="0" anchor="ctr"/>
+          <a:lstStyle/>
+          <a:p>
+            <a:pPr algn="ctr"/>
+            <a:r>
+              <a:rPr lang="en-US" dirty="0"/>
+              <a:t>B</a:t>
+            </a:r>
+          </a:p>
+        </p:txBody>
+      </p:sp>
+      <p:cxnSp>
+        <p:nvCxnSpPr>
+          <p:cNvPr id="16" name="Connector: Elbow 15">
+            <a:extLst>
+              <a:ext uri="{FF2B5EF4-FFF2-40B4-BE49-F238E27FC236}">
+                <a16:creationId xmlns:a16="http://schemas.microsoft.com/office/drawing/2014/main" id="{5040F8CD-BA23-4AF7-BBD2-54FFCBA5543F}"/>
+              </a:ext>
+            </a:extLst>
+          </p:cNvPr>
+          <p:cNvCxnSpPr>
+            <a:cxnSpLocks/>
+            <a:stCxn id="12" idx="2"/>
+            <a:endCxn id="15" idx="0"/>
+          </p:cNvCxnSpPr>
+          <p:nvPr/>
+        </p:nvCxnSpPr>
+        <p:spPr>
+          <a:xfrm rot="5400000">
+            <a:off x="2259951" y="5185217"/>
+            <a:ext cx="451265" cy="7412"/>
+          </a:xfrm>
+          <a:prstGeom prst="bentConnector3">
+            <a:avLst/>
+          </a:prstGeom>
+          <a:ln>
+            <a:tailEnd type="triangle"/>
+          </a:ln>
+        </p:spPr>
+        <p:style>
+          <a:lnRef idx="1">
+            <a:schemeClr val="accent1"/>
+          </a:lnRef>
+          <a:fillRef idx="0">
+            <a:schemeClr val="accent1"/>
+          </a:fillRef>
+          <a:effectRef idx="0">
+            <a:schemeClr val="accent1"/>
+          </a:effectRef>
+          <a:fontRef idx="minor">
+            <a:schemeClr val="tx1"/>
+          </a:fontRef>
+        </p:style>
+      </p:cxnSp>
+      <p:sp>
+        <p:nvSpPr>
+          <p:cNvPr id="17" name="Rectangle 16">
+            <a:extLst>
+              <a:ext uri="{FF2B5EF4-FFF2-40B4-BE49-F238E27FC236}">
+                <a16:creationId xmlns:a16="http://schemas.microsoft.com/office/drawing/2014/main" id="{774DF5FA-5C75-4176-A192-18F623453DC6}"/>
+              </a:ext>
+            </a:extLst>
+          </p:cNvPr>
+          <p:cNvSpPr/>
+          <p:nvPr/>
+        </p:nvSpPr>
+        <p:spPr>
+          <a:xfrm>
+            <a:off x="2962679" y="5388148"/>
+            <a:ext cx="430986" cy="250336"/>
+          </a:xfrm>
+          <a:prstGeom prst="rect">
+            <a:avLst/>
+          </a:prstGeom>
+          <a:solidFill>
+            <a:srgbClr val="92D050"/>
+          </a:solidFill>
+        </p:spPr>
+        <p:style>
+          <a:lnRef idx="2">
+            <a:schemeClr val="accent1">
+              <a:shade val="50000"/>
+            </a:schemeClr>
+          </a:lnRef>
+          <a:fillRef idx="1">
+            <a:schemeClr val="accent1"/>
+          </a:fillRef>
+          <a:effectRef idx="0">
+            <a:schemeClr val="accent1"/>
+          </a:effectRef>
+          <a:fontRef idx="minor">
+            <a:schemeClr val="lt1"/>
+          </a:fontRef>
+        </p:style>
+        <p:txBody>
+          <a:bodyPr rtlCol="0" anchor="ctr"/>
+          <a:lstStyle/>
+          <a:p>
+            <a:pPr algn="ctr"/>
+            <a:r>
+              <a:rPr lang="en-US" dirty="0"/>
+              <a:t>C</a:t>
+            </a:r>
+          </a:p>
+        </p:txBody>
+      </p:sp>
+      <p:cxnSp>
+        <p:nvCxnSpPr>
+          <p:cNvPr id="18" name="Connector: Elbow 17">
+            <a:extLst>
+              <a:ext uri="{FF2B5EF4-FFF2-40B4-BE49-F238E27FC236}">
+                <a16:creationId xmlns:a16="http://schemas.microsoft.com/office/drawing/2014/main" id="{43BD3A2A-1582-477A-9715-9C975FC5C160}"/>
+              </a:ext>
+            </a:extLst>
+          </p:cNvPr>
+          <p:cNvCxnSpPr>
+            <a:cxnSpLocks/>
+            <a:stCxn id="12" idx="2"/>
+            <a:endCxn id="17" idx="0"/>
+          </p:cNvCxnSpPr>
+          <p:nvPr/>
+        </p:nvCxnSpPr>
+        <p:spPr>
+          <a:xfrm rot="16200000" flipH="1">
+            <a:off x="2621302" y="4831277"/>
+            <a:ext cx="424857" cy="688883"/>
+          </a:xfrm>
+          <a:prstGeom prst="bentConnector3">
+            <a:avLst/>
+          </a:prstGeom>
+          <a:ln>
+            <a:tailEnd type="triangle"/>
+          </a:ln>
+        </p:spPr>
+        <p:style>
+          <a:lnRef idx="1">
+            <a:schemeClr val="accent1"/>
+          </a:lnRef>
+          <a:fillRef idx="0">
+            <a:schemeClr val="accent1"/>
+          </a:fillRef>
+          <a:effectRef idx="0">
+            <a:schemeClr val="accent1"/>
+          </a:effectRef>
+          <a:fontRef idx="minor">
+            <a:schemeClr val="tx1"/>
+          </a:fontRef>
+        </p:style>
+      </p:cxnSp>
+      <p:sp>
+        <p:nvSpPr>
+          <p:cNvPr id="19" name="Rectangle 18">
+            <a:extLst>
+              <a:ext uri="{FF2B5EF4-FFF2-40B4-BE49-F238E27FC236}">
+                <a16:creationId xmlns:a16="http://schemas.microsoft.com/office/drawing/2014/main" id="{45166A55-C269-4C04-8752-106A54525E3D}"/>
+              </a:ext>
+            </a:extLst>
+          </p:cNvPr>
+          <p:cNvSpPr/>
+          <p:nvPr/>
+        </p:nvSpPr>
+        <p:spPr>
+          <a:xfrm>
+            <a:off x="2262677" y="5843245"/>
+            <a:ext cx="453225" cy="250051"/>
+          </a:xfrm>
+          <a:prstGeom prst="rect">
+            <a:avLst/>
+          </a:prstGeom>
+          <a:solidFill>
+            <a:srgbClr val="92D050"/>
+          </a:solidFill>
+        </p:spPr>
+        <p:style>
+          <a:lnRef idx="2">
+            <a:schemeClr val="accent1">
+              <a:shade val="50000"/>
+            </a:schemeClr>
+          </a:lnRef>
+          <a:fillRef idx="1">
+            <a:schemeClr val="accent1"/>
+          </a:fillRef>
+          <a:effectRef idx="0">
+            <a:schemeClr val="accent1"/>
+          </a:effectRef>
+          <a:fontRef idx="minor">
+            <a:schemeClr val="lt1"/>
+          </a:fontRef>
+        </p:style>
+        <p:txBody>
+          <a:bodyPr rtlCol="0" anchor="ctr"/>
+          <a:lstStyle/>
+          <a:p>
+            <a:pPr algn="ctr"/>
+            <a:r>
+              <a:rPr lang="en-US" dirty="0"/>
+              <a:t>D</a:t>
+            </a:r>
+          </a:p>
+        </p:txBody>
+      </p:sp>
+      <p:sp>
+        <p:nvSpPr>
+          <p:cNvPr id="20" name="Rectangle 19">
+            <a:extLst>
+              <a:ext uri="{FF2B5EF4-FFF2-40B4-BE49-F238E27FC236}">
+                <a16:creationId xmlns:a16="http://schemas.microsoft.com/office/drawing/2014/main" id="{C6A7C1B6-8B40-46D7-9475-101A651A2372}"/>
+              </a:ext>
+            </a:extLst>
+          </p:cNvPr>
+          <p:cNvSpPr/>
+          <p:nvPr/>
+        </p:nvSpPr>
+        <p:spPr>
+          <a:xfrm>
+            <a:off x="2962679" y="5810302"/>
+            <a:ext cx="453225" cy="282994"/>
+          </a:xfrm>
+          <a:prstGeom prst="rect">
+            <a:avLst/>
+          </a:prstGeom>
+          <a:solidFill>
+            <a:srgbClr val="92D050"/>
+          </a:solidFill>
+        </p:spPr>
+        <p:style>
+          <a:lnRef idx="2">
+            <a:schemeClr val="accent1">
+              <a:shade val="50000"/>
+            </a:schemeClr>
+          </a:lnRef>
+          <a:fillRef idx="1">
+            <a:schemeClr val="accent1"/>
+          </a:fillRef>
+          <a:effectRef idx="0">
+            <a:schemeClr val="accent1"/>
+          </a:effectRef>
+          <a:fontRef idx="minor">
+            <a:schemeClr val="lt1"/>
+          </a:fontRef>
+        </p:style>
+        <p:txBody>
+          <a:bodyPr rtlCol="0" anchor="ctr"/>
+          <a:lstStyle/>
+          <a:p>
+            <a:pPr algn="ctr"/>
+            <a:r>
+              <a:rPr lang="en-US" dirty="0"/>
+              <a:t>E</a:t>
+            </a:r>
+          </a:p>
+        </p:txBody>
+      </p:sp>
+      <p:sp>
+        <p:nvSpPr>
+          <p:cNvPr id="21" name="Rectangle 20">
+            <a:extLst>
+              <a:ext uri="{FF2B5EF4-FFF2-40B4-BE49-F238E27FC236}">
+                <a16:creationId xmlns:a16="http://schemas.microsoft.com/office/drawing/2014/main" id="{3CF5795D-B94E-46AA-8E9A-E6189ADAE5E1}"/>
+              </a:ext>
+            </a:extLst>
+          </p:cNvPr>
+          <p:cNvSpPr/>
+          <p:nvPr/>
+        </p:nvSpPr>
+        <p:spPr>
+          <a:xfrm>
+            <a:off x="2962679" y="6386366"/>
+            <a:ext cx="453225" cy="210986"/>
+          </a:xfrm>
+          <a:prstGeom prst="rect">
+            <a:avLst/>
+          </a:prstGeom>
+          <a:solidFill>
+            <a:srgbClr val="0070C0"/>
+          </a:solidFill>
+        </p:spPr>
+        <p:style>
+          <a:lnRef idx="2">
+            <a:schemeClr val="accent1">
+              <a:shade val="50000"/>
+            </a:schemeClr>
+          </a:lnRef>
+          <a:fillRef idx="1">
+            <a:schemeClr val="accent1"/>
+          </a:fillRef>
+          <a:effectRef idx="0">
+            <a:schemeClr val="accent1"/>
+          </a:effectRef>
+          <a:fontRef idx="minor">
+            <a:schemeClr val="lt1"/>
+          </a:fontRef>
+        </p:style>
+        <p:txBody>
+          <a:bodyPr rtlCol="0" anchor="ctr"/>
+          <a:lstStyle/>
+          <a:p>
+            <a:pPr algn="ctr"/>
+            <a:r>
+              <a:rPr lang="en-US" dirty="0"/>
+              <a:t>F</a:t>
+            </a:r>
+          </a:p>
+        </p:txBody>
+      </p:sp>
+      <p:cxnSp>
+        <p:nvCxnSpPr>
+          <p:cNvPr id="22" name="Connector: Elbow 21">
+            <a:extLst>
+              <a:ext uri="{FF2B5EF4-FFF2-40B4-BE49-F238E27FC236}">
+                <a16:creationId xmlns:a16="http://schemas.microsoft.com/office/drawing/2014/main" id="{9EE363C5-2A92-486B-87EC-6A87E44ABA32}"/>
+              </a:ext>
+            </a:extLst>
+          </p:cNvPr>
+          <p:cNvCxnSpPr>
+            <a:cxnSpLocks/>
+            <a:stCxn id="15" idx="2"/>
+            <a:endCxn id="19" idx="0"/>
+          </p:cNvCxnSpPr>
+          <p:nvPr/>
+        </p:nvCxnSpPr>
+        <p:spPr>
+          <a:xfrm rot="16200000" flipH="1">
+            <a:off x="2396407" y="5750361"/>
+            <a:ext cx="178353" cy="7413"/>
+          </a:xfrm>
+          <a:prstGeom prst="bentConnector3">
+            <a:avLst/>
+          </a:prstGeom>
+          <a:ln>
+            <a:tailEnd type="triangle"/>
+          </a:ln>
+        </p:spPr>
+        <p:style>
+          <a:lnRef idx="1">
+            <a:schemeClr val="accent1"/>
+          </a:lnRef>
+          <a:fillRef idx="0">
+            <a:schemeClr val="accent1"/>
+          </a:fillRef>
+          <a:effectRef idx="0">
+            <a:schemeClr val="accent1"/>
+          </a:effectRef>
+          <a:fontRef idx="minor">
+            <a:schemeClr val="tx1"/>
+          </a:fontRef>
+        </p:style>
+      </p:cxnSp>
+      <p:cxnSp>
+        <p:nvCxnSpPr>
+          <p:cNvPr id="23" name="Connector: Elbow 22">
+            <a:extLst>
+              <a:ext uri="{FF2B5EF4-FFF2-40B4-BE49-F238E27FC236}">
+                <a16:creationId xmlns:a16="http://schemas.microsoft.com/office/drawing/2014/main" id="{AFA4EA0D-4D3F-4723-A461-BA87A88B9C45}"/>
+              </a:ext>
+            </a:extLst>
+          </p:cNvPr>
+          <p:cNvCxnSpPr>
+            <a:cxnSpLocks/>
+            <a:stCxn id="17" idx="2"/>
+            <a:endCxn id="20" idx="0"/>
+          </p:cNvCxnSpPr>
+          <p:nvPr/>
+        </p:nvCxnSpPr>
+        <p:spPr>
+          <a:xfrm rot="16200000" flipH="1">
+            <a:off x="3097823" y="5718833"/>
+            <a:ext cx="171818" cy="11120"/>
+          </a:xfrm>
+          <a:prstGeom prst="bentConnector3">
+            <a:avLst/>
+          </a:prstGeom>
+          <a:ln>
+            <a:tailEnd type="triangle"/>
+          </a:ln>
+        </p:spPr>
+        <p:style>
+          <a:lnRef idx="1">
+            <a:schemeClr val="accent1"/>
+          </a:lnRef>
+          <a:fillRef idx="0">
+            <a:schemeClr val="accent1"/>
+          </a:fillRef>
+          <a:effectRef idx="0">
+            <a:schemeClr val="accent1"/>
+          </a:effectRef>
+          <a:fontRef idx="minor">
+            <a:schemeClr val="tx1"/>
+          </a:fontRef>
+        </p:style>
+      </p:cxnSp>
+      <p:cxnSp>
+        <p:nvCxnSpPr>
+          <p:cNvPr id="24" name="Connector: Elbow 23">
+            <a:extLst>
+              <a:ext uri="{FF2B5EF4-FFF2-40B4-BE49-F238E27FC236}">
+                <a16:creationId xmlns:a16="http://schemas.microsoft.com/office/drawing/2014/main" id="{163CCC46-E7CD-466F-AE4D-2B02E6EC89FA}"/>
+              </a:ext>
+            </a:extLst>
+          </p:cNvPr>
+          <p:cNvCxnSpPr>
+            <a:cxnSpLocks/>
+            <a:stCxn id="20" idx="2"/>
+            <a:endCxn id="21" idx="0"/>
+          </p:cNvCxnSpPr>
+          <p:nvPr/>
+        </p:nvCxnSpPr>
+        <p:spPr>
+          <a:xfrm rot="5400000">
+            <a:off x="3042757" y="6239831"/>
+            <a:ext cx="293070" cy="12700"/>
+          </a:xfrm>
+          <a:prstGeom prst="bentConnector3">
+            <a:avLst/>
+          </a:prstGeom>
+          <a:ln>
+            <a:tailEnd type="triangle"/>
+          </a:ln>
+        </p:spPr>
+        <p:style>
+          <a:lnRef idx="1">
+            <a:schemeClr val="accent1"/>
+          </a:lnRef>
+          <a:fillRef idx="0">
+            <a:schemeClr val="accent1"/>
+          </a:fillRef>
+          <a:effectRef idx="0">
+            <a:schemeClr val="accent1"/>
+          </a:effectRef>
+          <a:fontRef idx="minor">
+            <a:schemeClr val="tx1"/>
+          </a:fontRef>
+        </p:style>
+      </p:cxnSp>
+      <p:sp>
+        <p:nvSpPr>
+          <p:cNvPr id="25" name="Rectangle 24">
+            <a:extLst>
+              <a:ext uri="{FF2B5EF4-FFF2-40B4-BE49-F238E27FC236}">
+                <a16:creationId xmlns:a16="http://schemas.microsoft.com/office/drawing/2014/main" id="{FAB03849-784D-4F95-9217-FD136FC58BBA}"/>
+              </a:ext>
+            </a:extLst>
+          </p:cNvPr>
+          <p:cNvSpPr/>
+          <p:nvPr/>
+        </p:nvSpPr>
+        <p:spPr>
+          <a:xfrm>
+            <a:off x="3314454" y="4963634"/>
+            <a:ext cx="1152128" cy="300431"/>
+          </a:xfrm>
+          <a:prstGeom prst="rect">
+            <a:avLst/>
+          </a:prstGeom>
+          <a:solidFill>
+            <a:srgbClr val="00B0F0"/>
+          </a:solidFill>
+        </p:spPr>
+        <p:style>
+          <a:lnRef idx="2">
+            <a:schemeClr val="accent1">
+              <a:shade val="50000"/>
+            </a:schemeClr>
+          </a:lnRef>
+          <a:fillRef idx="1">
+            <a:schemeClr val="accent1"/>
+          </a:fillRef>
+          <a:effectRef idx="0">
+            <a:schemeClr val="accent1"/>
+          </a:effectRef>
+          <a:fontRef idx="minor">
+            <a:schemeClr val="lt1"/>
+          </a:fontRef>
+        </p:style>
+        <p:txBody>
+          <a:bodyPr rtlCol="0" anchor="ctr"/>
+          <a:lstStyle/>
+          <a:p>
+            <a:pPr algn="ctr"/>
+            <a:r>
+              <a:rPr lang="en-US" dirty="0"/>
+              <a:t>username</a:t>
+            </a:r>
+          </a:p>
+        </p:txBody>
+      </p:sp>
+      <p:sp>
+        <p:nvSpPr>
+          <p:cNvPr id="26" name="Rectangle 25">
+            <a:extLst>
+              <a:ext uri="{FF2B5EF4-FFF2-40B4-BE49-F238E27FC236}">
+                <a16:creationId xmlns:a16="http://schemas.microsoft.com/office/drawing/2014/main" id="{5279B6D6-A3CA-4F8B-98CD-79D1F895A1B3}"/>
+              </a:ext>
+            </a:extLst>
+          </p:cNvPr>
+          <p:cNvSpPr/>
+          <p:nvPr/>
+        </p:nvSpPr>
+        <p:spPr>
+          <a:xfrm>
+            <a:off x="3424053" y="6118084"/>
+            <a:ext cx="910704" cy="300431"/>
+          </a:xfrm>
+          <a:prstGeom prst="rect">
+            <a:avLst/>
+          </a:prstGeom>
+          <a:noFill/>
+          <a:ln>
+            <a:solidFill>
+              <a:srgbClr val="C00000"/>
+            </a:solidFill>
+          </a:ln>
+        </p:spPr>
+        <p:style>
+          <a:lnRef idx="2">
+            <a:schemeClr val="accent1">
+              <a:shade val="50000"/>
+            </a:schemeClr>
+          </a:lnRef>
+          <a:fillRef idx="1">
+            <a:schemeClr val="accent1"/>
+          </a:fillRef>
+          <a:effectRef idx="0">
+            <a:schemeClr val="accent1"/>
+          </a:effectRef>
+          <a:fontRef idx="minor">
+            <a:schemeClr val="lt1"/>
+          </a:fontRef>
+        </p:style>
+        <p:txBody>
+          <a:bodyPr rtlCol="0" anchor="ctr"/>
+          <a:lstStyle/>
+          <a:p>
+            <a:pPr algn="ctr"/>
+            <a:r>
+              <a:rPr lang="en-US" sz="1400" dirty="0">
+                <a:solidFill>
+                  <a:schemeClr val="tx1"/>
+                </a:solidFill>
+              </a:rPr>
+              <a:t>username</a:t>
+            </a:r>
+          </a:p>
+        </p:txBody>
+      </p:sp>
+      <p:cxnSp>
+        <p:nvCxnSpPr>
+          <p:cNvPr id="28" name="Straight Arrow Connector 27">
+            <a:extLst>
+              <a:ext uri="{FF2B5EF4-FFF2-40B4-BE49-F238E27FC236}">
+                <a16:creationId xmlns:a16="http://schemas.microsoft.com/office/drawing/2014/main" id="{7F6EA58A-50E2-4BCA-A637-67FA5DA113EA}"/>
+              </a:ext>
+            </a:extLst>
+          </p:cNvPr>
+          <p:cNvCxnSpPr>
+            <a:cxnSpLocks/>
+            <a:stCxn id="10" idx="1"/>
+            <a:endCxn id="26" idx="0"/>
+          </p:cNvCxnSpPr>
+          <p:nvPr/>
+        </p:nvCxnSpPr>
+        <p:spPr>
+          <a:xfrm flipH="1">
+            <a:off x="3879405" y="4833156"/>
+            <a:ext cx="1844723" cy="1284928"/>
+          </a:xfrm>
+          <a:prstGeom prst="straightConnector1">
+            <a:avLst/>
+          </a:prstGeom>
+          <a:ln>
+            <a:solidFill>
+              <a:srgbClr val="C00000"/>
+            </a:solidFill>
+            <a:tailEnd type="triangle"/>
+          </a:ln>
+        </p:spPr>
+        <p:style>
+          <a:lnRef idx="1">
+            <a:schemeClr val="accent1"/>
+          </a:lnRef>
+          <a:fillRef idx="0">
+            <a:schemeClr val="accent1"/>
+          </a:fillRef>
+          <a:effectRef idx="0">
+            <a:schemeClr val="accent1"/>
+          </a:effectRef>
+          <a:fontRef idx="minor">
+            <a:schemeClr val="tx1"/>
+          </a:fontRef>
+        </p:style>
+      </p:cxnSp>
+      <p:cxnSp>
+        <p:nvCxnSpPr>
+          <p:cNvPr id="31" name="Straight Arrow Connector 30">
+            <a:extLst>
+              <a:ext uri="{FF2B5EF4-FFF2-40B4-BE49-F238E27FC236}">
+                <a16:creationId xmlns:a16="http://schemas.microsoft.com/office/drawing/2014/main" id="{32937A4A-1F8B-4C90-A84B-923F37B69FF0}"/>
+              </a:ext>
+            </a:extLst>
+          </p:cNvPr>
+          <p:cNvCxnSpPr>
+            <a:cxnSpLocks/>
+            <a:stCxn id="11" idx="1"/>
+            <a:endCxn id="26" idx="0"/>
+          </p:cNvCxnSpPr>
+          <p:nvPr/>
+        </p:nvCxnSpPr>
+        <p:spPr>
+          <a:xfrm flipH="1">
+            <a:off x="3879405" y="5551917"/>
+            <a:ext cx="1802598" cy="566167"/>
+          </a:xfrm>
+          <a:prstGeom prst="straightConnector1">
+            <a:avLst/>
+          </a:prstGeom>
+          <a:ln>
+            <a:solidFill>
+              <a:srgbClr val="C00000"/>
+            </a:solidFill>
+            <a:tailEnd type="triangle"/>
+          </a:ln>
+        </p:spPr>
+        <p:style>
+          <a:lnRef idx="1">
+            <a:schemeClr val="accent1"/>
+          </a:lnRef>
+          <a:fillRef idx="0">
+            <a:schemeClr val="accent1"/>
+          </a:fillRef>
+          <a:effectRef idx="0">
+            <a:schemeClr val="accent1"/>
+          </a:effectRef>
+          <a:fontRef idx="minor">
+            <a:schemeClr val="tx1"/>
+          </a:fontRef>
+        </p:style>
+      </p:cxnSp>
+      <p:sp>
+        <p:nvSpPr>
+          <p:cNvPr id="50" name="Rectangle 49">
+            <a:extLst>
+              <a:ext uri="{FF2B5EF4-FFF2-40B4-BE49-F238E27FC236}">
+                <a16:creationId xmlns:a16="http://schemas.microsoft.com/office/drawing/2014/main" id="{655A5709-AD7E-449A-9587-8CDD8B548EF6}"/>
+              </a:ext>
+            </a:extLst>
+          </p:cNvPr>
+          <p:cNvSpPr/>
+          <p:nvPr/>
+        </p:nvSpPr>
+        <p:spPr>
+          <a:xfrm>
+            <a:off x="1401755" y="3933730"/>
+            <a:ext cx="1991909" cy="186008"/>
+          </a:xfrm>
+          <a:prstGeom prst="rect">
+            <a:avLst/>
+          </a:prstGeom>
+          <a:noFill/>
+          <a:ln>
+            <a:solidFill>
+              <a:srgbClr val="C00000"/>
+            </a:solidFill>
+          </a:ln>
+        </p:spPr>
+        <p:style>
+          <a:lnRef idx="2">
+            <a:schemeClr val="accent1">
+              <a:shade val="50000"/>
+            </a:schemeClr>
+          </a:lnRef>
+          <a:fillRef idx="1">
+            <a:schemeClr val="accent1"/>
+          </a:fillRef>
+          <a:effectRef idx="0">
+            <a:schemeClr val="accent1"/>
+          </a:effectRef>
+          <a:fontRef idx="minor">
+            <a:schemeClr val="lt1"/>
+          </a:fontRef>
+        </p:style>
+        <p:txBody>
+          <a:bodyPr rtlCol="0" anchor="ctr"/>
+          <a:lstStyle/>
+          <a:p>
+            <a:pPr algn="ctr"/>
+            <a:endParaRPr lang="en-US"/>
+          </a:p>
+        </p:txBody>
+      </p:sp>
+      <p:cxnSp>
+        <p:nvCxnSpPr>
+          <p:cNvPr id="51" name="Straight Arrow Connector 50">
+            <a:extLst>
+              <a:ext uri="{FF2B5EF4-FFF2-40B4-BE49-F238E27FC236}">
+                <a16:creationId xmlns:a16="http://schemas.microsoft.com/office/drawing/2014/main" id="{5A80D24B-42FE-4B32-B482-B741673926CE}"/>
+              </a:ext>
+            </a:extLst>
+          </p:cNvPr>
+          <p:cNvCxnSpPr>
+            <a:cxnSpLocks/>
+            <a:stCxn id="50" idx="3"/>
+          </p:cNvCxnSpPr>
+          <p:nvPr/>
+        </p:nvCxnSpPr>
+        <p:spPr>
+          <a:xfrm>
+            <a:off x="3393664" y="4026734"/>
+            <a:ext cx="2354421" cy="822271"/>
+          </a:xfrm>
+          <a:prstGeom prst="straightConnector1">
+            <a:avLst/>
+          </a:prstGeom>
+          <a:ln>
+            <a:solidFill>
+              <a:srgbClr val="C00000"/>
+            </a:solidFill>
+            <a:tailEnd type="triangle"/>
+          </a:ln>
+        </p:spPr>
+        <p:style>
+          <a:lnRef idx="1">
+            <a:schemeClr val="accent1"/>
+          </a:lnRef>
+          <a:fillRef idx="0">
+            <a:schemeClr val="accent1"/>
+          </a:fillRef>
+          <a:effectRef idx="0">
+            <a:schemeClr val="accent1"/>
+          </a:effectRef>
+          <a:fontRef idx="minor">
+            <a:schemeClr val="tx1"/>
+          </a:fontRef>
+        </p:style>
+      </p:cxnSp>
     </p:spTree>
     <p:extLst>
       <p:ext uri="{BB962C8B-B14F-4D97-AF65-F5344CB8AC3E}">
@@ -11688,7 +13352,7 @@
             <a:fld id="{A4F910E6-8D00-4BAF-8C48-9688E0B449D3}" type="datetime1">
               <a:rPr lang="zh-TW" altLang="en-US" smtClean="0"/>
               <a:pPr/>
-              <a:t>2020/5/25</a:t>
+              <a:t>2020/6/29</a:t>
             </a:fld>
             <a:endParaRPr lang="zh-TW" altLang="en-US"/>
           </a:p>
@@ -12000,7 +13664,7 @@
             <a:fld id="{A4F910E6-8D00-4BAF-8C48-9688E0B449D3}" type="datetime1">
               <a:rPr lang="zh-TW" altLang="en-US" smtClean="0"/>
               <a:pPr/>
-              <a:t>2020/5/25</a:t>
+              <a:t>2020/6/29</a:t>
             </a:fld>
             <a:endParaRPr lang="zh-TW" altLang="en-US"/>
           </a:p>
@@ -12380,7 +14044,7 @@
             <a:fld id="{A4F910E6-8D00-4BAF-8C48-9688E0B449D3}" type="datetime1">
               <a:rPr lang="zh-TW" altLang="en-US" smtClean="0"/>
               <a:pPr/>
-              <a:t>2020/5/25</a:t>
+              <a:t>2020/6/29</a:t>
             </a:fld>
             <a:endParaRPr lang="zh-TW" altLang="en-US"/>
           </a:p>
@@ -12437,7 +14101,7 @@
         </p:blipFill>
         <p:spPr>
           <a:xfrm>
-            <a:off x="2051720" y="3390079"/>
+            <a:off x="611560" y="3174399"/>
             <a:ext cx="4714875" cy="1323975"/>
           </a:xfrm>
           <a:prstGeom prst="rect">
@@ -12450,6 +14114,742 @@
           </a:ln>
         </p:spPr>
       </p:pic>
+      <p:sp>
+        <p:nvSpPr>
+          <p:cNvPr id="9" name="Rectangle 8">
+            <a:extLst>
+              <a:ext uri="{FF2B5EF4-FFF2-40B4-BE49-F238E27FC236}">
+                <a16:creationId xmlns:a16="http://schemas.microsoft.com/office/drawing/2014/main" id="{625412FF-3DEB-4D4A-A992-4D6EDFADB116}"/>
+              </a:ext>
+            </a:extLst>
+          </p:cNvPr>
+          <p:cNvSpPr/>
+          <p:nvPr/>
+        </p:nvSpPr>
+        <p:spPr>
+          <a:xfrm>
+            <a:off x="5417057" y="3212976"/>
+            <a:ext cx="1656184" cy="432048"/>
+          </a:xfrm>
+          <a:prstGeom prst="rect">
+            <a:avLst/>
+          </a:prstGeom>
+          <a:solidFill>
+            <a:schemeClr val="accent2">
+              <a:lumMod val="75000"/>
+            </a:schemeClr>
+          </a:solidFill>
+        </p:spPr>
+        <p:style>
+          <a:lnRef idx="2">
+            <a:schemeClr val="accent1">
+              <a:shade val="50000"/>
+            </a:schemeClr>
+          </a:lnRef>
+          <a:fillRef idx="1">
+            <a:schemeClr val="accent1"/>
+          </a:fillRef>
+          <a:effectRef idx="0">
+            <a:schemeClr val="accent1"/>
+          </a:effectRef>
+          <a:fontRef idx="minor">
+            <a:schemeClr val="lt1"/>
+          </a:fontRef>
+        </p:style>
+        <p:txBody>
+          <a:bodyPr rtlCol="0" anchor="ctr"/>
+          <a:lstStyle/>
+          <a:p>
+            <a:pPr algn="ctr"/>
+            <a:r>
+              <a:rPr lang="en-US" dirty="0" err="1"/>
+              <a:t>AppComponent</a:t>
+            </a:r>
+            <a:endParaRPr lang="en-US" dirty="0"/>
+          </a:p>
+        </p:txBody>
+      </p:sp>
+      <p:sp>
+        <p:nvSpPr>
+          <p:cNvPr id="10" name="Rectangle 9">
+            <a:extLst>
+              <a:ext uri="{FF2B5EF4-FFF2-40B4-BE49-F238E27FC236}">
+                <a16:creationId xmlns:a16="http://schemas.microsoft.com/office/drawing/2014/main" id="{7A04B162-7A1F-45A0-9121-FC0C1AD87C57}"/>
+              </a:ext>
+            </a:extLst>
+          </p:cNvPr>
+          <p:cNvSpPr/>
+          <p:nvPr/>
+        </p:nvSpPr>
+        <p:spPr>
+          <a:xfrm>
+            <a:off x="5328496" y="4165895"/>
+            <a:ext cx="453225" cy="404246"/>
+          </a:xfrm>
+          <a:prstGeom prst="rect">
+            <a:avLst/>
+          </a:prstGeom>
+          <a:solidFill>
+            <a:srgbClr val="0070C0"/>
+          </a:solidFill>
+        </p:spPr>
+        <p:style>
+          <a:lnRef idx="2">
+            <a:schemeClr val="accent1">
+              <a:shade val="50000"/>
+            </a:schemeClr>
+          </a:lnRef>
+          <a:fillRef idx="1">
+            <a:schemeClr val="accent1"/>
+          </a:fillRef>
+          <a:effectRef idx="0">
+            <a:schemeClr val="accent1"/>
+          </a:effectRef>
+          <a:fontRef idx="minor">
+            <a:schemeClr val="lt1"/>
+          </a:fontRef>
+        </p:style>
+        <p:txBody>
+          <a:bodyPr rtlCol="0" anchor="ctr"/>
+          <a:lstStyle/>
+          <a:p>
+            <a:pPr algn="ctr"/>
+            <a:r>
+              <a:rPr lang="en-US" dirty="0"/>
+              <a:t>A</a:t>
+            </a:r>
+          </a:p>
+        </p:txBody>
+      </p:sp>
+      <p:cxnSp>
+        <p:nvCxnSpPr>
+          <p:cNvPr id="11" name="Connector: Elbow 10">
+            <a:extLst>
+              <a:ext uri="{FF2B5EF4-FFF2-40B4-BE49-F238E27FC236}">
+                <a16:creationId xmlns:a16="http://schemas.microsoft.com/office/drawing/2014/main" id="{2BF3925F-597B-44F1-A43F-8553B4C81D15}"/>
+              </a:ext>
+            </a:extLst>
+          </p:cNvPr>
+          <p:cNvCxnSpPr>
+            <a:cxnSpLocks/>
+            <a:stCxn id="9" idx="2"/>
+            <a:endCxn id="10" idx="0"/>
+          </p:cNvCxnSpPr>
+          <p:nvPr/>
+        </p:nvCxnSpPr>
+        <p:spPr>
+          <a:xfrm rot="5400000">
+            <a:off x="5639694" y="3560439"/>
+            <a:ext cx="520871" cy="690040"/>
+          </a:xfrm>
+          <a:prstGeom prst="bentConnector3">
+            <a:avLst/>
+          </a:prstGeom>
+          <a:ln>
+            <a:tailEnd type="triangle"/>
+          </a:ln>
+        </p:spPr>
+        <p:style>
+          <a:lnRef idx="1">
+            <a:schemeClr val="accent1"/>
+          </a:lnRef>
+          <a:fillRef idx="0">
+            <a:schemeClr val="accent1"/>
+          </a:fillRef>
+          <a:effectRef idx="0">
+            <a:schemeClr val="accent1"/>
+          </a:effectRef>
+          <a:fontRef idx="minor">
+            <a:schemeClr val="tx1"/>
+          </a:fontRef>
+        </p:style>
+      </p:cxnSp>
+      <p:sp>
+        <p:nvSpPr>
+          <p:cNvPr id="12" name="Rectangle 11">
+            <a:extLst>
+              <a:ext uri="{FF2B5EF4-FFF2-40B4-BE49-F238E27FC236}">
+                <a16:creationId xmlns:a16="http://schemas.microsoft.com/office/drawing/2014/main" id="{52483E0F-0AF3-4D28-9AA0-7814A0C71EC0}"/>
+              </a:ext>
+            </a:extLst>
+          </p:cNvPr>
+          <p:cNvSpPr/>
+          <p:nvPr/>
+        </p:nvSpPr>
+        <p:spPr>
+          <a:xfrm>
+            <a:off x="6003711" y="4175488"/>
+            <a:ext cx="453225" cy="404246"/>
+          </a:xfrm>
+          <a:prstGeom prst="rect">
+            <a:avLst/>
+          </a:prstGeom>
+          <a:solidFill>
+            <a:srgbClr val="92D050"/>
+          </a:solidFill>
+        </p:spPr>
+        <p:style>
+          <a:lnRef idx="2">
+            <a:schemeClr val="accent1">
+              <a:shade val="50000"/>
+            </a:schemeClr>
+          </a:lnRef>
+          <a:fillRef idx="1">
+            <a:schemeClr val="accent1"/>
+          </a:fillRef>
+          <a:effectRef idx="0">
+            <a:schemeClr val="accent1"/>
+          </a:effectRef>
+          <a:fontRef idx="minor">
+            <a:schemeClr val="lt1"/>
+          </a:fontRef>
+        </p:style>
+        <p:txBody>
+          <a:bodyPr rtlCol="0" anchor="ctr"/>
+          <a:lstStyle/>
+          <a:p>
+            <a:pPr algn="ctr"/>
+            <a:r>
+              <a:rPr lang="en-US" dirty="0"/>
+              <a:t>B</a:t>
+            </a:r>
+          </a:p>
+        </p:txBody>
+      </p:sp>
+      <p:cxnSp>
+        <p:nvCxnSpPr>
+          <p:cNvPr id="13" name="Connector: Elbow 12">
+            <a:extLst>
+              <a:ext uri="{FF2B5EF4-FFF2-40B4-BE49-F238E27FC236}">
+                <a16:creationId xmlns:a16="http://schemas.microsoft.com/office/drawing/2014/main" id="{722F9719-FD68-43EE-B082-489948703839}"/>
+              </a:ext>
+            </a:extLst>
+          </p:cNvPr>
+          <p:cNvCxnSpPr>
+            <a:cxnSpLocks/>
+            <a:stCxn id="9" idx="2"/>
+            <a:endCxn id="12" idx="0"/>
+          </p:cNvCxnSpPr>
+          <p:nvPr/>
+        </p:nvCxnSpPr>
+        <p:spPr>
+          <a:xfrm rot="5400000">
+            <a:off x="5972505" y="3902844"/>
+            <a:ext cx="530464" cy="14825"/>
+          </a:xfrm>
+          <a:prstGeom prst="bentConnector3">
+            <a:avLst/>
+          </a:prstGeom>
+          <a:ln>
+            <a:tailEnd type="triangle"/>
+          </a:ln>
+        </p:spPr>
+        <p:style>
+          <a:lnRef idx="1">
+            <a:schemeClr val="accent1"/>
+          </a:lnRef>
+          <a:fillRef idx="0">
+            <a:schemeClr val="accent1"/>
+          </a:fillRef>
+          <a:effectRef idx="0">
+            <a:schemeClr val="accent1"/>
+          </a:effectRef>
+          <a:fontRef idx="minor">
+            <a:schemeClr val="tx1"/>
+          </a:fontRef>
+        </p:style>
+      </p:cxnSp>
+      <p:sp>
+        <p:nvSpPr>
+          <p:cNvPr id="14" name="Rectangle 13">
+            <a:extLst>
+              <a:ext uri="{FF2B5EF4-FFF2-40B4-BE49-F238E27FC236}">
+                <a16:creationId xmlns:a16="http://schemas.microsoft.com/office/drawing/2014/main" id="{8B9D7AA9-A624-4F57-B9F6-AC993979D0A0}"/>
+              </a:ext>
+            </a:extLst>
+          </p:cNvPr>
+          <p:cNvSpPr/>
+          <p:nvPr/>
+        </p:nvSpPr>
+        <p:spPr>
+          <a:xfrm>
+            <a:off x="6711126" y="4149080"/>
+            <a:ext cx="430986" cy="404246"/>
+          </a:xfrm>
+          <a:prstGeom prst="rect">
+            <a:avLst/>
+          </a:prstGeom>
+          <a:solidFill>
+            <a:srgbClr val="92D050"/>
+          </a:solidFill>
+        </p:spPr>
+        <p:style>
+          <a:lnRef idx="2">
+            <a:schemeClr val="accent1">
+              <a:shade val="50000"/>
+            </a:schemeClr>
+          </a:lnRef>
+          <a:fillRef idx="1">
+            <a:schemeClr val="accent1"/>
+          </a:fillRef>
+          <a:effectRef idx="0">
+            <a:schemeClr val="accent1"/>
+          </a:effectRef>
+          <a:fontRef idx="minor">
+            <a:schemeClr val="lt1"/>
+          </a:fontRef>
+        </p:style>
+        <p:txBody>
+          <a:bodyPr rtlCol="0" anchor="ctr"/>
+          <a:lstStyle/>
+          <a:p>
+            <a:pPr algn="ctr"/>
+            <a:r>
+              <a:rPr lang="en-US" dirty="0"/>
+              <a:t>C</a:t>
+            </a:r>
+          </a:p>
+        </p:txBody>
+      </p:sp>
+      <p:cxnSp>
+        <p:nvCxnSpPr>
+          <p:cNvPr id="15" name="Connector: Elbow 14">
+            <a:extLst>
+              <a:ext uri="{FF2B5EF4-FFF2-40B4-BE49-F238E27FC236}">
+                <a16:creationId xmlns:a16="http://schemas.microsoft.com/office/drawing/2014/main" id="{43CB5272-7518-450C-A631-95A294AF71E7}"/>
+              </a:ext>
+            </a:extLst>
+          </p:cNvPr>
+          <p:cNvCxnSpPr>
+            <a:cxnSpLocks/>
+            <a:stCxn id="9" idx="2"/>
+            <a:endCxn id="14" idx="0"/>
+          </p:cNvCxnSpPr>
+          <p:nvPr/>
+        </p:nvCxnSpPr>
+        <p:spPr>
+          <a:xfrm rot="16200000" flipH="1">
+            <a:off x="6333856" y="3556317"/>
+            <a:ext cx="504056" cy="681470"/>
+          </a:xfrm>
+          <a:prstGeom prst="bentConnector3">
+            <a:avLst/>
+          </a:prstGeom>
+          <a:ln>
+            <a:tailEnd type="triangle"/>
+          </a:ln>
+        </p:spPr>
+        <p:style>
+          <a:lnRef idx="1">
+            <a:schemeClr val="accent1"/>
+          </a:lnRef>
+          <a:fillRef idx="0">
+            <a:schemeClr val="accent1"/>
+          </a:fillRef>
+          <a:effectRef idx="0">
+            <a:schemeClr val="accent1"/>
+          </a:effectRef>
+          <a:fontRef idx="minor">
+            <a:schemeClr val="tx1"/>
+          </a:fontRef>
+        </p:style>
+      </p:cxnSp>
+      <p:sp>
+        <p:nvSpPr>
+          <p:cNvPr id="16" name="Rectangle 15">
+            <a:extLst>
+              <a:ext uri="{FF2B5EF4-FFF2-40B4-BE49-F238E27FC236}">
+                <a16:creationId xmlns:a16="http://schemas.microsoft.com/office/drawing/2014/main" id="{8301157D-6A3D-48BF-8562-A67AF695D33A}"/>
+              </a:ext>
+            </a:extLst>
+          </p:cNvPr>
+          <p:cNvSpPr/>
+          <p:nvPr/>
+        </p:nvSpPr>
+        <p:spPr>
+          <a:xfrm>
+            <a:off x="6011124" y="4758087"/>
+            <a:ext cx="453225" cy="404246"/>
+          </a:xfrm>
+          <a:prstGeom prst="rect">
+            <a:avLst/>
+          </a:prstGeom>
+          <a:solidFill>
+            <a:srgbClr val="92D050"/>
+          </a:solidFill>
+        </p:spPr>
+        <p:style>
+          <a:lnRef idx="2">
+            <a:schemeClr val="accent1">
+              <a:shade val="50000"/>
+            </a:schemeClr>
+          </a:lnRef>
+          <a:fillRef idx="1">
+            <a:schemeClr val="accent1"/>
+          </a:fillRef>
+          <a:effectRef idx="0">
+            <a:schemeClr val="accent1"/>
+          </a:effectRef>
+          <a:fontRef idx="minor">
+            <a:schemeClr val="lt1"/>
+          </a:fontRef>
+        </p:style>
+        <p:txBody>
+          <a:bodyPr rtlCol="0" anchor="ctr"/>
+          <a:lstStyle/>
+          <a:p>
+            <a:pPr algn="ctr"/>
+            <a:r>
+              <a:rPr lang="en-US" dirty="0"/>
+              <a:t>D</a:t>
+            </a:r>
+          </a:p>
+        </p:txBody>
+      </p:sp>
+      <p:sp>
+        <p:nvSpPr>
+          <p:cNvPr id="17" name="Rectangle 16">
+            <a:extLst>
+              <a:ext uri="{FF2B5EF4-FFF2-40B4-BE49-F238E27FC236}">
+                <a16:creationId xmlns:a16="http://schemas.microsoft.com/office/drawing/2014/main" id="{387FCD8E-BFB2-4348-B3F3-307239FF8912}"/>
+              </a:ext>
+            </a:extLst>
+          </p:cNvPr>
+          <p:cNvSpPr/>
+          <p:nvPr/>
+        </p:nvSpPr>
+        <p:spPr>
+          <a:xfrm>
+            <a:off x="6711126" y="4725144"/>
+            <a:ext cx="453225" cy="404246"/>
+          </a:xfrm>
+          <a:prstGeom prst="rect">
+            <a:avLst/>
+          </a:prstGeom>
+          <a:solidFill>
+            <a:srgbClr val="92D050"/>
+          </a:solidFill>
+        </p:spPr>
+        <p:style>
+          <a:lnRef idx="2">
+            <a:schemeClr val="accent1">
+              <a:shade val="50000"/>
+            </a:schemeClr>
+          </a:lnRef>
+          <a:fillRef idx="1">
+            <a:schemeClr val="accent1"/>
+          </a:fillRef>
+          <a:effectRef idx="0">
+            <a:schemeClr val="accent1"/>
+          </a:effectRef>
+          <a:fontRef idx="minor">
+            <a:schemeClr val="lt1"/>
+          </a:fontRef>
+        </p:style>
+        <p:txBody>
+          <a:bodyPr rtlCol="0" anchor="ctr"/>
+          <a:lstStyle/>
+          <a:p>
+            <a:pPr algn="ctr"/>
+            <a:r>
+              <a:rPr lang="en-US" dirty="0"/>
+              <a:t>E</a:t>
+            </a:r>
+          </a:p>
+        </p:txBody>
+      </p:sp>
+      <p:sp>
+        <p:nvSpPr>
+          <p:cNvPr id="18" name="Rectangle 17">
+            <a:extLst>
+              <a:ext uri="{FF2B5EF4-FFF2-40B4-BE49-F238E27FC236}">
+                <a16:creationId xmlns:a16="http://schemas.microsoft.com/office/drawing/2014/main" id="{D799314D-98D5-4E71-AD4B-10AED934F594}"/>
+              </a:ext>
+            </a:extLst>
+          </p:cNvPr>
+          <p:cNvSpPr/>
+          <p:nvPr/>
+        </p:nvSpPr>
+        <p:spPr>
+          <a:xfrm>
+            <a:off x="6711126" y="5301208"/>
+            <a:ext cx="453225" cy="404246"/>
+          </a:xfrm>
+          <a:prstGeom prst="rect">
+            <a:avLst/>
+          </a:prstGeom>
+          <a:solidFill>
+            <a:srgbClr val="0070C0"/>
+          </a:solidFill>
+        </p:spPr>
+        <p:style>
+          <a:lnRef idx="2">
+            <a:schemeClr val="accent1">
+              <a:shade val="50000"/>
+            </a:schemeClr>
+          </a:lnRef>
+          <a:fillRef idx="1">
+            <a:schemeClr val="accent1"/>
+          </a:fillRef>
+          <a:effectRef idx="0">
+            <a:schemeClr val="accent1"/>
+          </a:effectRef>
+          <a:fontRef idx="minor">
+            <a:schemeClr val="lt1"/>
+          </a:fontRef>
+        </p:style>
+        <p:txBody>
+          <a:bodyPr rtlCol="0" anchor="ctr"/>
+          <a:lstStyle/>
+          <a:p>
+            <a:pPr algn="ctr"/>
+            <a:r>
+              <a:rPr lang="en-US" dirty="0"/>
+              <a:t>F</a:t>
+            </a:r>
+          </a:p>
+        </p:txBody>
+      </p:sp>
+      <p:cxnSp>
+        <p:nvCxnSpPr>
+          <p:cNvPr id="19" name="Connector: Elbow 18">
+            <a:extLst>
+              <a:ext uri="{FF2B5EF4-FFF2-40B4-BE49-F238E27FC236}">
+                <a16:creationId xmlns:a16="http://schemas.microsoft.com/office/drawing/2014/main" id="{368B9DB3-865C-4CC0-BFD2-D777DAF320E5}"/>
+              </a:ext>
+            </a:extLst>
+          </p:cNvPr>
+          <p:cNvCxnSpPr>
+            <a:cxnSpLocks/>
+            <a:stCxn id="12" idx="2"/>
+            <a:endCxn id="16" idx="0"/>
+          </p:cNvCxnSpPr>
+          <p:nvPr/>
+        </p:nvCxnSpPr>
+        <p:spPr>
+          <a:xfrm rot="16200000" flipH="1">
+            <a:off x="6144854" y="4665203"/>
+            <a:ext cx="178353" cy="7413"/>
+          </a:xfrm>
+          <a:prstGeom prst="bentConnector3">
+            <a:avLst/>
+          </a:prstGeom>
+          <a:ln>
+            <a:tailEnd type="triangle"/>
+          </a:ln>
+        </p:spPr>
+        <p:style>
+          <a:lnRef idx="1">
+            <a:schemeClr val="accent1"/>
+          </a:lnRef>
+          <a:fillRef idx="0">
+            <a:schemeClr val="accent1"/>
+          </a:fillRef>
+          <a:effectRef idx="0">
+            <a:schemeClr val="accent1"/>
+          </a:effectRef>
+          <a:fontRef idx="minor">
+            <a:schemeClr val="tx1"/>
+          </a:fontRef>
+        </p:style>
+      </p:cxnSp>
+      <p:cxnSp>
+        <p:nvCxnSpPr>
+          <p:cNvPr id="20" name="Connector: Elbow 19">
+            <a:extLst>
+              <a:ext uri="{FF2B5EF4-FFF2-40B4-BE49-F238E27FC236}">
+                <a16:creationId xmlns:a16="http://schemas.microsoft.com/office/drawing/2014/main" id="{A0AC6BB6-7FFD-4A20-9269-F35B5EE172B6}"/>
+              </a:ext>
+            </a:extLst>
+          </p:cNvPr>
+          <p:cNvCxnSpPr>
+            <a:cxnSpLocks/>
+            <a:stCxn id="14" idx="2"/>
+            <a:endCxn id="17" idx="0"/>
+          </p:cNvCxnSpPr>
+          <p:nvPr/>
+        </p:nvCxnSpPr>
+        <p:spPr>
+          <a:xfrm rot="16200000" flipH="1">
+            <a:off x="6846270" y="4633675"/>
+            <a:ext cx="171818" cy="11120"/>
+          </a:xfrm>
+          <a:prstGeom prst="bentConnector3">
+            <a:avLst/>
+          </a:prstGeom>
+          <a:ln>
+            <a:tailEnd type="triangle"/>
+          </a:ln>
+        </p:spPr>
+        <p:style>
+          <a:lnRef idx="1">
+            <a:schemeClr val="accent1"/>
+          </a:lnRef>
+          <a:fillRef idx="0">
+            <a:schemeClr val="accent1"/>
+          </a:fillRef>
+          <a:effectRef idx="0">
+            <a:schemeClr val="accent1"/>
+          </a:effectRef>
+          <a:fontRef idx="minor">
+            <a:schemeClr val="tx1"/>
+          </a:fontRef>
+        </p:style>
+      </p:cxnSp>
+      <p:cxnSp>
+        <p:nvCxnSpPr>
+          <p:cNvPr id="21" name="Connector: Elbow 20">
+            <a:extLst>
+              <a:ext uri="{FF2B5EF4-FFF2-40B4-BE49-F238E27FC236}">
+                <a16:creationId xmlns:a16="http://schemas.microsoft.com/office/drawing/2014/main" id="{9B550E1E-0597-47E2-88CE-A8FFFAC23E22}"/>
+              </a:ext>
+            </a:extLst>
+          </p:cNvPr>
+          <p:cNvCxnSpPr>
+            <a:cxnSpLocks/>
+            <a:stCxn id="17" idx="2"/>
+            <a:endCxn id="18" idx="0"/>
+          </p:cNvCxnSpPr>
+          <p:nvPr/>
+        </p:nvCxnSpPr>
+        <p:spPr>
+          <a:xfrm rot="5400000">
+            <a:off x="6851830" y="5215299"/>
+            <a:ext cx="171818" cy="12700"/>
+          </a:xfrm>
+          <a:prstGeom prst="bentConnector3">
+            <a:avLst/>
+          </a:prstGeom>
+          <a:ln>
+            <a:tailEnd type="triangle"/>
+          </a:ln>
+        </p:spPr>
+        <p:style>
+          <a:lnRef idx="1">
+            <a:schemeClr val="accent1"/>
+          </a:lnRef>
+          <a:fillRef idx="0">
+            <a:schemeClr val="accent1"/>
+          </a:fillRef>
+          <a:effectRef idx="0">
+            <a:schemeClr val="accent1"/>
+          </a:effectRef>
+          <a:fontRef idx="minor">
+            <a:schemeClr val="tx1"/>
+          </a:fontRef>
+        </p:style>
+      </p:cxnSp>
+      <p:sp>
+        <p:nvSpPr>
+          <p:cNvPr id="22" name="Rectangle 21">
+            <a:extLst>
+              <a:ext uri="{FF2B5EF4-FFF2-40B4-BE49-F238E27FC236}">
+                <a16:creationId xmlns:a16="http://schemas.microsoft.com/office/drawing/2014/main" id="{35250D3E-68B1-4A7A-A6A1-9115394402FB}"/>
+              </a:ext>
+            </a:extLst>
+          </p:cNvPr>
+          <p:cNvSpPr/>
+          <p:nvPr/>
+        </p:nvSpPr>
+        <p:spPr>
+          <a:xfrm>
+            <a:off x="7170752" y="3422800"/>
+            <a:ext cx="1152128" cy="300431"/>
+          </a:xfrm>
+          <a:prstGeom prst="rect">
+            <a:avLst/>
+          </a:prstGeom>
+          <a:solidFill>
+            <a:srgbClr val="00B0F0"/>
+          </a:solidFill>
+        </p:spPr>
+        <p:style>
+          <a:lnRef idx="2">
+            <a:schemeClr val="accent1">
+              <a:shade val="50000"/>
+            </a:schemeClr>
+          </a:lnRef>
+          <a:fillRef idx="1">
+            <a:schemeClr val="accent1"/>
+          </a:fillRef>
+          <a:effectRef idx="0">
+            <a:schemeClr val="accent1"/>
+          </a:effectRef>
+          <a:fontRef idx="minor">
+            <a:schemeClr val="lt1"/>
+          </a:fontRef>
+        </p:style>
+        <p:txBody>
+          <a:bodyPr rtlCol="0" anchor="ctr"/>
+          <a:lstStyle/>
+          <a:p>
+            <a:pPr algn="ctr"/>
+            <a:r>
+              <a:rPr lang="en-US" dirty="0"/>
+              <a:t>username</a:t>
+            </a:r>
+          </a:p>
+        </p:txBody>
+      </p:sp>
+      <p:sp>
+        <p:nvSpPr>
+          <p:cNvPr id="23" name="Rectangle 22">
+            <a:extLst>
+              <a:ext uri="{FF2B5EF4-FFF2-40B4-BE49-F238E27FC236}">
+                <a16:creationId xmlns:a16="http://schemas.microsoft.com/office/drawing/2014/main" id="{E49275DF-551B-4FC0-890E-73F96EDF24A0}"/>
+              </a:ext>
+            </a:extLst>
+          </p:cNvPr>
+          <p:cNvSpPr/>
+          <p:nvPr/>
+        </p:nvSpPr>
+        <p:spPr>
+          <a:xfrm>
+            <a:off x="7218781" y="5071433"/>
+            <a:ext cx="910704" cy="300431"/>
+          </a:xfrm>
+          <a:prstGeom prst="rect">
+            <a:avLst/>
+          </a:prstGeom>
+          <a:noFill/>
+          <a:ln>
+            <a:solidFill>
+              <a:srgbClr val="C00000"/>
+            </a:solidFill>
+          </a:ln>
+        </p:spPr>
+        <p:style>
+          <a:lnRef idx="2">
+            <a:schemeClr val="accent1">
+              <a:shade val="50000"/>
+            </a:schemeClr>
+          </a:lnRef>
+          <a:fillRef idx="1">
+            <a:schemeClr val="accent1"/>
+          </a:fillRef>
+          <a:effectRef idx="0">
+            <a:schemeClr val="accent1"/>
+          </a:effectRef>
+          <a:fontRef idx="minor">
+            <a:schemeClr val="lt1"/>
+          </a:fontRef>
+        </p:style>
+        <p:txBody>
+          <a:bodyPr rtlCol="0" anchor="ctr"/>
+          <a:lstStyle/>
+          <a:p>
+            <a:pPr algn="ctr"/>
+            <a:r>
+              <a:rPr lang="en-US" sz="1400" dirty="0">
+                <a:solidFill>
+                  <a:schemeClr val="tx1"/>
+                </a:solidFill>
+              </a:rPr>
+              <a:t>username</a:t>
+            </a:r>
+          </a:p>
+        </p:txBody>
+      </p:sp>
     </p:spTree>
     <p:extLst>
       <p:ext uri="{BB962C8B-B14F-4D97-AF65-F5344CB8AC3E}">

--- a/40_Context3.pptx
+++ b/40_Context3.pptx
@@ -5,7 +5,7 @@
     <p:sldMasterId id="2147483648" r:id="rId1"/>
   </p:sldMasterIdLst>
   <p:notesMasterIdLst>
-    <p:notesMasterId r:id="rId26"/>
+    <p:notesMasterId r:id="rId25"/>
   </p:notesMasterIdLst>
   <p:sldIdLst>
     <p:sldId id="256" r:id="rId2"/>
@@ -27,11 +27,10 @@
     <p:sldId id="280" r:id="rId18"/>
     <p:sldId id="281" r:id="rId19"/>
     <p:sldId id="282" r:id="rId20"/>
-    <p:sldId id="283" r:id="rId21"/>
-    <p:sldId id="284" r:id="rId22"/>
-    <p:sldId id="285" r:id="rId23"/>
-    <p:sldId id="286" r:id="rId24"/>
-    <p:sldId id="259" r:id="rId25"/>
+    <p:sldId id="284" r:id="rId21"/>
+    <p:sldId id="285" r:id="rId22"/>
+    <p:sldId id="286" r:id="rId23"/>
+    <p:sldId id="259" r:id="rId24"/>
   </p:sldIdLst>
   <p:sldSz cx="9144000" cy="6858000" type="screen4x3"/>
   <p:notesSz cx="6858000" cy="9144000"/>
@@ -9694,157 +9693,6 @@
         </p:nvSpPr>
         <p:spPr>
           <a:xfrm>
-            <a:off x="0" y="2130425"/>
-            <a:ext cx="9144000" cy="1470025"/>
-          </a:xfrm>
-          <a:solidFill>
-            <a:srgbClr val="00B0F0"/>
-          </a:solidFill>
-        </p:spPr>
-        <p:txBody>
-          <a:bodyPr>
-            <a:normAutofit/>
-          </a:bodyPr>
-          <a:lstStyle/>
-          <a:p>
-            <a:r>
-              <a:rPr lang="en-US" altLang="zh-TW" sz="4800" b="1" dirty="0">
-                <a:solidFill>
-                  <a:srgbClr val="FFFF00"/>
-                </a:solidFill>
-              </a:rPr>
-              <a:t>40.3 Summary of Context 3</a:t>
-            </a:r>
-            <a:endParaRPr lang="zh-TW" altLang="en-US" sz="4800" b="1" dirty="0">
-              <a:solidFill>
-                <a:srgbClr val="FFFF00"/>
-              </a:solidFill>
-            </a:endParaRPr>
-          </a:p>
-        </p:txBody>
-      </p:sp>
-      <p:sp>
-        <p:nvSpPr>
-          <p:cNvPr id="5" name="日期版面配置區 4"/>
-          <p:cNvSpPr>
-            <a:spLocks noGrp="1"/>
-          </p:cNvSpPr>
-          <p:nvPr>
-            <p:ph type="dt" sz="half" idx="10"/>
-          </p:nvPr>
-        </p:nvSpPr>
-        <p:spPr/>
-        <p:txBody>
-          <a:bodyPr/>
-          <a:lstStyle/>
-          <a:p>
-            <a:fld id="{C389EDC9-19E3-47AC-9C57-C6A24DEA81AD}" type="datetime1">
-              <a:rPr lang="zh-TW" altLang="en-US" smtClean="0"/>
-              <a:pPr/>
-              <a:t>2020/6/29</a:t>
-            </a:fld>
-            <a:endParaRPr lang="zh-TW" altLang="en-US"/>
-          </a:p>
-        </p:txBody>
-      </p:sp>
-      <p:sp>
-        <p:nvSpPr>
-          <p:cNvPr id="6" name="投影片編號版面配置區 5"/>
-          <p:cNvSpPr>
-            <a:spLocks noGrp="1"/>
-          </p:cNvSpPr>
-          <p:nvPr>
-            <p:ph type="sldNum" sz="quarter" idx="12"/>
-          </p:nvPr>
-        </p:nvSpPr>
-        <p:spPr/>
-        <p:txBody>
-          <a:bodyPr/>
-          <a:lstStyle/>
-          <a:p>
-            <a:fld id="{E4D7E63D-91F2-4366-A2C4-1B00C9E2590E}" type="slidenum">
-              <a:rPr lang="zh-TW" altLang="en-US" smtClean="0"/>
-              <a:pPr/>
-              <a:t>20</a:t>
-            </a:fld>
-            <a:endParaRPr lang="zh-TW" altLang="en-US"/>
-          </a:p>
-        </p:txBody>
-      </p:sp>
-      <p:pic>
-        <p:nvPicPr>
-          <p:cNvPr id="2050" name="Picture 2"/>
-          <p:cNvPicPr>
-            <a:picLocks noChangeAspect="1" noChangeArrowheads="1"/>
-          </p:cNvPicPr>
-          <p:nvPr/>
-        </p:nvPicPr>
-        <p:blipFill>
-          <a:blip r:embed="rId2" cstate="print"/>
-          <a:srcRect/>
-          <a:stretch>
-            <a:fillRect/>
-          </a:stretch>
-        </p:blipFill>
-        <p:spPr bwMode="auto">
-          <a:xfrm>
-            <a:off x="4283968" y="3717032"/>
-            <a:ext cx="713805" cy="644588"/>
-          </a:xfrm>
-          <a:prstGeom prst="rect">
-            <a:avLst/>
-          </a:prstGeom>
-          <a:noFill/>
-          <a:ln w="9525">
-            <a:noFill/>
-            <a:miter lim="800000"/>
-            <a:headEnd/>
-            <a:tailEnd/>
-          </a:ln>
-        </p:spPr>
-      </p:pic>
-    </p:spTree>
-    <p:extLst>
-      <p:ext uri="{BB962C8B-B14F-4D97-AF65-F5344CB8AC3E}">
-        <p14:creationId xmlns:p14="http://schemas.microsoft.com/office/powerpoint/2010/main" val="3570588990"/>
-      </p:ext>
-    </p:extLst>
-  </p:cSld>
-  <p:clrMapOvr>
-    <a:masterClrMapping/>
-  </p:clrMapOvr>
-</p:sld>
-</file>
-
-<file path=ppt/slides/slide21.xml><?xml version="1.0" encoding="utf-8"?>
-<p:sld xmlns:a="http://schemas.openxmlformats.org/drawingml/2006/main" xmlns:r="http://schemas.openxmlformats.org/officeDocument/2006/relationships" xmlns:p="http://schemas.openxmlformats.org/presentationml/2006/main">
-  <p:cSld>
-    <p:spTree>
-      <p:nvGrpSpPr>
-        <p:cNvPr id="1" name=""/>
-        <p:cNvGrpSpPr/>
-        <p:nvPr/>
-      </p:nvGrpSpPr>
-      <p:grpSpPr>
-        <a:xfrm>
-          <a:off x="0" y="0"/>
-          <a:ext cx="0" cy="0"/>
-          <a:chOff x="0" y="0"/>
-          <a:chExt cx="0" cy="0"/>
-        </a:xfrm>
-      </p:grpSpPr>
-      <p:sp>
-        <p:nvSpPr>
-          <p:cNvPr id="2" name="標題 1"/>
-          <p:cNvSpPr>
-            <a:spLocks noGrp="1"/>
-          </p:cNvSpPr>
-          <p:nvPr>
-            <p:ph type="ctrTitle"/>
-          </p:nvPr>
-        </p:nvSpPr>
-        <p:spPr>
-          <a:xfrm>
             <a:off x="0" y="1"/>
             <a:ext cx="9144000" cy="764704"/>
           </a:xfrm>
@@ -9888,7 +9736,7 @@
                   <a:srgbClr val="FFFF00"/>
                 </a:solidFill>
               </a:rPr>
-              <a:t>40.3 Summary of Context 3</a:t>
+              <a:t>40.2 Summary of Context 3</a:t>
             </a:r>
             <a:endParaRPr lang="zh-TW" altLang="en-US" b="1" dirty="0">
               <a:solidFill>
@@ -10094,7 +9942,7 @@
             <a:fld id="{E4D7E63D-91F2-4366-A2C4-1B00C9E2590E}" type="slidenum">
               <a:rPr lang="zh-TW" altLang="en-US" smtClean="0"/>
               <a:pPr/>
-              <a:t>21</a:t>
+              <a:t>20</a:t>
             </a:fld>
             <a:endParaRPr lang="zh-TW" altLang="en-US"/>
           </a:p>
@@ -10104,6 +9952,157 @@
     <p:extLst>
       <p:ext uri="{BB962C8B-B14F-4D97-AF65-F5344CB8AC3E}">
         <p14:creationId xmlns:p14="http://schemas.microsoft.com/office/powerpoint/2010/main" val="1436005269"/>
+      </p:ext>
+    </p:extLst>
+  </p:cSld>
+  <p:clrMapOvr>
+    <a:masterClrMapping/>
+  </p:clrMapOvr>
+</p:sld>
+</file>
+
+<file path=ppt/slides/slide21.xml><?xml version="1.0" encoding="utf-8"?>
+<p:sld xmlns:a="http://schemas.openxmlformats.org/drawingml/2006/main" xmlns:r="http://schemas.openxmlformats.org/officeDocument/2006/relationships" xmlns:p="http://schemas.openxmlformats.org/presentationml/2006/main">
+  <p:cSld>
+    <p:spTree>
+      <p:nvGrpSpPr>
+        <p:cNvPr id="1" name=""/>
+        <p:cNvGrpSpPr/>
+        <p:nvPr/>
+      </p:nvGrpSpPr>
+      <p:grpSpPr>
+        <a:xfrm>
+          <a:off x="0" y="0"/>
+          <a:ext cx="0" cy="0"/>
+          <a:chOff x="0" y="0"/>
+          <a:chExt cx="0" cy="0"/>
+        </a:xfrm>
+      </p:grpSpPr>
+      <p:sp>
+        <p:nvSpPr>
+          <p:cNvPr id="2" name="標題 1"/>
+          <p:cNvSpPr>
+            <a:spLocks noGrp="1"/>
+          </p:cNvSpPr>
+          <p:nvPr>
+            <p:ph type="ctrTitle"/>
+          </p:nvPr>
+        </p:nvSpPr>
+        <p:spPr>
+          <a:xfrm>
+            <a:off x="0" y="2130425"/>
+            <a:ext cx="9144000" cy="1470025"/>
+          </a:xfrm>
+          <a:solidFill>
+            <a:srgbClr val="00B0F0"/>
+          </a:solidFill>
+        </p:spPr>
+        <p:txBody>
+          <a:bodyPr>
+            <a:normAutofit/>
+          </a:bodyPr>
+          <a:lstStyle/>
+          <a:p>
+            <a:r>
+              <a:rPr lang="en-US" altLang="zh-TW" sz="4800" b="1" dirty="0">
+                <a:solidFill>
+                  <a:srgbClr val="FFFF00"/>
+                </a:solidFill>
+              </a:rPr>
+              <a:t>40.3 Quiz</a:t>
+            </a:r>
+            <a:endParaRPr lang="zh-TW" altLang="en-US" sz="4800" b="1" dirty="0">
+              <a:solidFill>
+                <a:srgbClr val="FFFF00"/>
+              </a:solidFill>
+            </a:endParaRPr>
+          </a:p>
+        </p:txBody>
+      </p:sp>
+      <p:sp>
+        <p:nvSpPr>
+          <p:cNvPr id="5" name="日期版面配置區 4"/>
+          <p:cNvSpPr>
+            <a:spLocks noGrp="1"/>
+          </p:cNvSpPr>
+          <p:nvPr>
+            <p:ph type="dt" sz="half" idx="10"/>
+          </p:nvPr>
+        </p:nvSpPr>
+        <p:spPr/>
+        <p:txBody>
+          <a:bodyPr/>
+          <a:lstStyle/>
+          <a:p>
+            <a:fld id="{C389EDC9-19E3-47AC-9C57-C6A24DEA81AD}" type="datetime1">
+              <a:rPr lang="zh-TW" altLang="en-US" smtClean="0"/>
+              <a:pPr/>
+              <a:t>2020/6/29</a:t>
+            </a:fld>
+            <a:endParaRPr lang="zh-TW" altLang="en-US"/>
+          </a:p>
+        </p:txBody>
+      </p:sp>
+      <p:sp>
+        <p:nvSpPr>
+          <p:cNvPr id="6" name="投影片編號版面配置區 5"/>
+          <p:cNvSpPr>
+            <a:spLocks noGrp="1"/>
+          </p:cNvSpPr>
+          <p:nvPr>
+            <p:ph type="sldNum" sz="quarter" idx="12"/>
+          </p:nvPr>
+        </p:nvSpPr>
+        <p:spPr/>
+        <p:txBody>
+          <a:bodyPr/>
+          <a:lstStyle/>
+          <a:p>
+            <a:fld id="{E4D7E63D-91F2-4366-A2C4-1B00C9E2590E}" type="slidenum">
+              <a:rPr lang="zh-TW" altLang="en-US" smtClean="0"/>
+              <a:pPr/>
+              <a:t>21</a:t>
+            </a:fld>
+            <a:endParaRPr lang="zh-TW" altLang="en-US"/>
+          </a:p>
+        </p:txBody>
+      </p:sp>
+      <p:pic>
+        <p:nvPicPr>
+          <p:cNvPr id="2050" name="Picture 2"/>
+          <p:cNvPicPr>
+            <a:picLocks noChangeAspect="1" noChangeArrowheads="1"/>
+          </p:cNvPicPr>
+          <p:nvPr/>
+        </p:nvPicPr>
+        <p:blipFill>
+          <a:blip r:embed="rId2" cstate="print"/>
+          <a:srcRect/>
+          <a:stretch>
+            <a:fillRect/>
+          </a:stretch>
+        </p:blipFill>
+        <p:spPr bwMode="auto">
+          <a:xfrm>
+            <a:off x="4283968" y="3717032"/>
+            <a:ext cx="713805" cy="644588"/>
+          </a:xfrm>
+          <a:prstGeom prst="rect">
+            <a:avLst/>
+          </a:prstGeom>
+          <a:noFill/>
+          <a:ln w="9525">
+            <a:noFill/>
+            <a:miter lim="800000"/>
+            <a:headEnd/>
+            <a:tailEnd/>
+          </a:ln>
+        </p:spPr>
+      </p:pic>
+    </p:spTree>
+    <p:extLst>
+      <p:ext uri="{BB962C8B-B14F-4D97-AF65-F5344CB8AC3E}">
+        <p14:creationId xmlns:p14="http://schemas.microsoft.com/office/powerpoint/2010/main" val="1959710567"/>
       </p:ext>
     </p:extLst>
   </p:cSld>
@@ -10142,157 +10141,6 @@
         </p:nvSpPr>
         <p:spPr>
           <a:xfrm>
-            <a:off x="0" y="2130425"/>
-            <a:ext cx="9144000" cy="1470025"/>
-          </a:xfrm>
-          <a:solidFill>
-            <a:srgbClr val="00B0F0"/>
-          </a:solidFill>
-        </p:spPr>
-        <p:txBody>
-          <a:bodyPr>
-            <a:normAutofit/>
-          </a:bodyPr>
-          <a:lstStyle/>
-          <a:p>
-            <a:r>
-              <a:rPr lang="en-US" altLang="zh-TW" sz="4800" b="1" dirty="0">
-                <a:solidFill>
-                  <a:srgbClr val="FFFF00"/>
-                </a:solidFill>
-              </a:rPr>
-              <a:t>40.4 Quiz</a:t>
-            </a:r>
-            <a:endParaRPr lang="zh-TW" altLang="en-US" sz="4800" b="1" dirty="0">
-              <a:solidFill>
-                <a:srgbClr val="FFFF00"/>
-              </a:solidFill>
-            </a:endParaRPr>
-          </a:p>
-        </p:txBody>
-      </p:sp>
-      <p:sp>
-        <p:nvSpPr>
-          <p:cNvPr id="5" name="日期版面配置區 4"/>
-          <p:cNvSpPr>
-            <a:spLocks noGrp="1"/>
-          </p:cNvSpPr>
-          <p:nvPr>
-            <p:ph type="dt" sz="half" idx="10"/>
-          </p:nvPr>
-        </p:nvSpPr>
-        <p:spPr/>
-        <p:txBody>
-          <a:bodyPr/>
-          <a:lstStyle/>
-          <a:p>
-            <a:fld id="{C389EDC9-19E3-47AC-9C57-C6A24DEA81AD}" type="datetime1">
-              <a:rPr lang="zh-TW" altLang="en-US" smtClean="0"/>
-              <a:pPr/>
-              <a:t>2020/6/29</a:t>
-            </a:fld>
-            <a:endParaRPr lang="zh-TW" altLang="en-US"/>
-          </a:p>
-        </p:txBody>
-      </p:sp>
-      <p:sp>
-        <p:nvSpPr>
-          <p:cNvPr id="6" name="投影片編號版面配置區 5"/>
-          <p:cNvSpPr>
-            <a:spLocks noGrp="1"/>
-          </p:cNvSpPr>
-          <p:nvPr>
-            <p:ph type="sldNum" sz="quarter" idx="12"/>
-          </p:nvPr>
-        </p:nvSpPr>
-        <p:spPr/>
-        <p:txBody>
-          <a:bodyPr/>
-          <a:lstStyle/>
-          <a:p>
-            <a:fld id="{E4D7E63D-91F2-4366-A2C4-1B00C9E2590E}" type="slidenum">
-              <a:rPr lang="zh-TW" altLang="en-US" smtClean="0"/>
-              <a:pPr/>
-              <a:t>22</a:t>
-            </a:fld>
-            <a:endParaRPr lang="zh-TW" altLang="en-US"/>
-          </a:p>
-        </p:txBody>
-      </p:sp>
-      <p:pic>
-        <p:nvPicPr>
-          <p:cNvPr id="2050" name="Picture 2"/>
-          <p:cNvPicPr>
-            <a:picLocks noChangeAspect="1" noChangeArrowheads="1"/>
-          </p:cNvPicPr>
-          <p:nvPr/>
-        </p:nvPicPr>
-        <p:blipFill>
-          <a:blip r:embed="rId2" cstate="print"/>
-          <a:srcRect/>
-          <a:stretch>
-            <a:fillRect/>
-          </a:stretch>
-        </p:blipFill>
-        <p:spPr bwMode="auto">
-          <a:xfrm>
-            <a:off x="4283968" y="3717032"/>
-            <a:ext cx="713805" cy="644588"/>
-          </a:xfrm>
-          <a:prstGeom prst="rect">
-            <a:avLst/>
-          </a:prstGeom>
-          <a:noFill/>
-          <a:ln w="9525">
-            <a:noFill/>
-            <a:miter lim="800000"/>
-            <a:headEnd/>
-            <a:tailEnd/>
-          </a:ln>
-        </p:spPr>
-      </p:pic>
-    </p:spTree>
-    <p:extLst>
-      <p:ext uri="{BB962C8B-B14F-4D97-AF65-F5344CB8AC3E}">
-        <p14:creationId xmlns:p14="http://schemas.microsoft.com/office/powerpoint/2010/main" val="1959710567"/>
-      </p:ext>
-    </p:extLst>
-  </p:cSld>
-  <p:clrMapOvr>
-    <a:masterClrMapping/>
-  </p:clrMapOvr>
-</p:sld>
-</file>
-
-<file path=ppt/slides/slide23.xml><?xml version="1.0" encoding="utf-8"?>
-<p:sld xmlns:a="http://schemas.openxmlformats.org/drawingml/2006/main" xmlns:r="http://schemas.openxmlformats.org/officeDocument/2006/relationships" xmlns:p="http://schemas.openxmlformats.org/presentationml/2006/main">
-  <p:cSld>
-    <p:spTree>
-      <p:nvGrpSpPr>
-        <p:cNvPr id="1" name=""/>
-        <p:cNvGrpSpPr/>
-        <p:nvPr/>
-      </p:nvGrpSpPr>
-      <p:grpSpPr>
-        <a:xfrm>
-          <a:off x="0" y="0"/>
-          <a:ext cx="0" cy="0"/>
-          <a:chOff x="0" y="0"/>
-          <a:chExt cx="0" cy="0"/>
-        </a:xfrm>
-      </p:grpSpPr>
-      <p:sp>
-        <p:nvSpPr>
-          <p:cNvPr id="2" name="標題 1"/>
-          <p:cNvSpPr>
-            <a:spLocks noGrp="1"/>
-          </p:cNvSpPr>
-          <p:nvPr>
-            <p:ph type="ctrTitle"/>
-          </p:nvPr>
-        </p:nvSpPr>
-        <p:spPr>
-          <a:xfrm>
             <a:off x="0" y="1"/>
             <a:ext cx="9144000" cy="764704"/>
           </a:xfrm>
@@ -10331,12 +10179,20 @@
           <a:p>
             <a:pPr algn="l"/>
             <a:r>
+              <a:rPr lang="en-US" altLang="zh-TW" b="1">
+                <a:solidFill>
+                  <a:srgbClr val="FFFF00"/>
+                </a:solidFill>
+              </a:rPr>
+              <a:t>40.3 </a:t>
+            </a:r>
+            <a:r>
               <a:rPr lang="en-US" altLang="zh-TW" b="1" dirty="0">
                 <a:solidFill>
                   <a:srgbClr val="FFFF00"/>
                 </a:solidFill>
               </a:rPr>
-              <a:t>40.4 Quiz</a:t>
+              <a:t>Quiz</a:t>
             </a:r>
             <a:endParaRPr lang="zh-TW" altLang="en-US" b="1" dirty="0">
               <a:solidFill>
@@ -10616,7 +10472,7 @@
             <a:fld id="{E4D7E63D-91F2-4366-A2C4-1B00C9E2590E}" type="slidenum">
               <a:rPr lang="zh-TW" altLang="en-US" smtClean="0"/>
               <a:pPr/>
-              <a:t>23</a:t>
+              <a:t>22</a:t>
             </a:fld>
             <a:endParaRPr lang="zh-TW" altLang="en-US"/>
           </a:p>
@@ -10635,7 +10491,7 @@
 </p:sld>
 </file>
 
-<file path=ppt/slides/slide24.xml><?xml version="1.0" encoding="utf-8"?>
+<file path=ppt/slides/slide23.xml><?xml version="1.0" encoding="utf-8"?>
 <p:sld xmlns:a="http://schemas.openxmlformats.org/drawingml/2006/main" xmlns:r="http://schemas.openxmlformats.org/officeDocument/2006/relationships" xmlns:p="http://schemas.openxmlformats.org/presentationml/2006/main">
   <p:cSld>
     <p:spTree>
@@ -10758,7 +10614,7 @@
             <a:fld id="{E4D7E63D-91F2-4366-A2C4-1B00C9E2590E}" type="slidenum">
               <a:rPr lang="zh-TW" altLang="en-US" smtClean="0"/>
               <a:pPr/>
-              <a:t>24</a:t>
+              <a:t>23</a:t>
             </a:fld>
             <a:endParaRPr lang="zh-TW" altLang="en-US"/>
           </a:p>
